--- a/oldfun/manuscript/Presentation1.pptx
+++ b/oldfun/manuscript/Presentation1.pptx
@@ -6,18 +6,19 @@
   </p:sldMasterIdLst>
   <p:sldIdLst>
     <p:sldId id="279" r:id="rId2"/>
-    <p:sldId id="280" r:id="rId3"/>
-    <p:sldId id="267" r:id="rId4"/>
-    <p:sldId id="257" r:id="rId5"/>
-    <p:sldId id="258" r:id="rId6"/>
-    <p:sldId id="265" r:id="rId7"/>
-    <p:sldId id="264" r:id="rId8"/>
-    <p:sldId id="262" r:id="rId9"/>
-    <p:sldId id="261" r:id="rId10"/>
-    <p:sldId id="260" r:id="rId11"/>
-    <p:sldId id="259" r:id="rId12"/>
-    <p:sldId id="266" r:id="rId13"/>
-    <p:sldId id="268" r:id="rId14"/>
+    <p:sldId id="281" r:id="rId3"/>
+    <p:sldId id="280" r:id="rId4"/>
+    <p:sldId id="267" r:id="rId5"/>
+    <p:sldId id="257" r:id="rId6"/>
+    <p:sldId id="258" r:id="rId7"/>
+    <p:sldId id="265" r:id="rId8"/>
+    <p:sldId id="264" r:id="rId9"/>
+    <p:sldId id="262" r:id="rId10"/>
+    <p:sldId id="261" r:id="rId11"/>
+    <p:sldId id="260" r:id="rId12"/>
+    <p:sldId id="259" r:id="rId13"/>
+    <p:sldId id="266" r:id="rId14"/>
+    <p:sldId id="268" r:id="rId15"/>
   </p:sldIdLst>
   <p:sldSz cx="12192000" cy="6858000"/>
   <p:notesSz cx="6858000" cy="9144000"/>
@@ -419,7 +420,7 @@
           <a:p>
             <a:fld id="{498B5249-013E-45A4-8A74-2151315C95C8}" type="datetimeFigureOut">
               <a:rPr lang="en-US" smtClean="0"/>
-              <a:t>9/21/2019</a:t>
+              <a:t>9/22/2019</a:t>
             </a:fld>
             <a:endParaRPr lang="en-US"/>
           </a:p>
@@ -617,7 +618,7 @@
           <a:p>
             <a:fld id="{498B5249-013E-45A4-8A74-2151315C95C8}" type="datetimeFigureOut">
               <a:rPr lang="en-US" smtClean="0"/>
-              <a:t>9/21/2019</a:t>
+              <a:t>9/22/2019</a:t>
             </a:fld>
             <a:endParaRPr lang="en-US"/>
           </a:p>
@@ -825,7 +826,7 @@
           <a:p>
             <a:fld id="{498B5249-013E-45A4-8A74-2151315C95C8}" type="datetimeFigureOut">
               <a:rPr lang="en-US" smtClean="0"/>
-              <a:t>9/21/2019</a:t>
+              <a:t>9/22/2019</a:t>
             </a:fld>
             <a:endParaRPr lang="en-US"/>
           </a:p>
@@ -1023,7 +1024,7 @@
           <a:p>
             <a:fld id="{498B5249-013E-45A4-8A74-2151315C95C8}" type="datetimeFigureOut">
               <a:rPr lang="en-US" smtClean="0"/>
-              <a:t>9/21/2019</a:t>
+              <a:t>9/22/2019</a:t>
             </a:fld>
             <a:endParaRPr lang="en-US"/>
           </a:p>
@@ -1298,7 +1299,7 @@
           <a:p>
             <a:fld id="{498B5249-013E-45A4-8A74-2151315C95C8}" type="datetimeFigureOut">
               <a:rPr lang="en-US" smtClean="0"/>
-              <a:t>9/21/2019</a:t>
+              <a:t>9/22/2019</a:t>
             </a:fld>
             <a:endParaRPr lang="en-US"/>
           </a:p>
@@ -1563,7 +1564,7 @@
           <a:p>
             <a:fld id="{498B5249-013E-45A4-8A74-2151315C95C8}" type="datetimeFigureOut">
               <a:rPr lang="en-US" smtClean="0"/>
-              <a:t>9/21/2019</a:t>
+              <a:t>9/22/2019</a:t>
             </a:fld>
             <a:endParaRPr lang="en-US"/>
           </a:p>
@@ -1975,7 +1976,7 @@
           <a:p>
             <a:fld id="{498B5249-013E-45A4-8A74-2151315C95C8}" type="datetimeFigureOut">
               <a:rPr lang="en-US" smtClean="0"/>
-              <a:t>9/21/2019</a:t>
+              <a:t>9/22/2019</a:t>
             </a:fld>
             <a:endParaRPr lang="en-US"/>
           </a:p>
@@ -2116,7 +2117,7 @@
           <a:p>
             <a:fld id="{498B5249-013E-45A4-8A74-2151315C95C8}" type="datetimeFigureOut">
               <a:rPr lang="en-US" smtClean="0"/>
-              <a:t>9/21/2019</a:t>
+              <a:t>9/22/2019</a:t>
             </a:fld>
             <a:endParaRPr lang="en-US"/>
           </a:p>
@@ -2229,7 +2230,7 @@
           <a:p>
             <a:fld id="{498B5249-013E-45A4-8A74-2151315C95C8}" type="datetimeFigureOut">
               <a:rPr lang="en-US" smtClean="0"/>
-              <a:t>9/21/2019</a:t>
+              <a:t>9/22/2019</a:t>
             </a:fld>
             <a:endParaRPr lang="en-US"/>
           </a:p>
@@ -2540,7 +2541,7 @@
           <a:p>
             <a:fld id="{498B5249-013E-45A4-8A74-2151315C95C8}" type="datetimeFigureOut">
               <a:rPr lang="en-US" smtClean="0"/>
-              <a:t>9/21/2019</a:t>
+              <a:t>9/22/2019</a:t>
             </a:fld>
             <a:endParaRPr lang="en-US"/>
           </a:p>
@@ -2828,7 +2829,7 @@
           <a:p>
             <a:fld id="{498B5249-013E-45A4-8A74-2151315C95C8}" type="datetimeFigureOut">
               <a:rPr lang="en-US" smtClean="0"/>
-              <a:t>9/21/2019</a:t>
+              <a:t>9/22/2019</a:t>
             </a:fld>
             <a:endParaRPr lang="en-US"/>
           </a:p>
@@ -3069,7 +3070,7 @@
           <a:p>
             <a:fld id="{498B5249-013E-45A4-8A74-2151315C95C8}" type="datetimeFigureOut">
               <a:rPr lang="en-US" smtClean="0"/>
-              <a:t>9/21/2019</a:t>
+              <a:t>9/22/2019</a:t>
             </a:fld>
             <a:endParaRPr lang="en-US"/>
           </a:p>
@@ -3494,7 +3495,7 @@
         </p:nvSpPr>
         <p:spPr>
           <a:xfrm>
-            <a:off x="5937513" y="36665"/>
+            <a:off x="6498345" y="36665"/>
             <a:ext cx="3077377" cy="1688648"/>
           </a:xfrm>
           <a:prstGeom prst="roundRect">
@@ -3551,7 +3552,7 @@
         </p:blipFill>
         <p:spPr>
           <a:xfrm>
-            <a:off x="5887637" y="310551"/>
+            <a:off x="6448469" y="310551"/>
             <a:ext cx="1920240" cy="1357237"/>
           </a:xfrm>
           <a:prstGeom prst="rect">
@@ -3567,7 +3568,7 @@
         </p:nvGrpSpPr>
         <p:grpSpPr>
           <a:xfrm>
-            <a:off x="1139551" y="4752097"/>
+            <a:off x="1700383" y="4752097"/>
             <a:ext cx="4037216" cy="1998785"/>
             <a:chOff x="1110138" y="4104858"/>
             <a:chExt cx="4037216" cy="1998785"/>
@@ -3878,7 +3879,7 @@
         </p:nvGrpSpPr>
         <p:grpSpPr>
           <a:xfrm>
-            <a:off x="1188736" y="1891758"/>
+            <a:off x="1749568" y="1891758"/>
             <a:ext cx="4043566" cy="1957714"/>
             <a:chOff x="2008131" y="951067"/>
             <a:chExt cx="4043566" cy="1957714"/>
@@ -4217,7 +4218,7 @@
         </p:nvSpPr>
         <p:spPr>
           <a:xfrm>
-            <a:off x="2162940" y="380149"/>
+            <a:off x="2723772" y="380149"/>
             <a:ext cx="2076109" cy="557046"/>
           </a:xfrm>
           <a:prstGeom prst="round2DiagRect">
@@ -4259,7 +4260,7 @@
         </p:nvSpPr>
         <p:spPr>
           <a:xfrm>
-            <a:off x="3067474" y="956245"/>
+            <a:off x="3628306" y="956245"/>
             <a:ext cx="266700" cy="918210"/>
           </a:xfrm>
           <a:prstGeom prst="downArrow">
@@ -4307,7 +4308,7 @@
         </p:nvSpPr>
         <p:spPr>
           <a:xfrm>
-            <a:off x="1366872" y="1103442"/>
+            <a:off x="1927704" y="1103442"/>
             <a:ext cx="1776972" cy="646331"/>
           </a:xfrm>
           <a:prstGeom prst="rect">
@@ -4339,7 +4340,7 @@
         </p:nvSpPr>
         <p:spPr>
           <a:xfrm>
-            <a:off x="3260650" y="973882"/>
+            <a:off x="3821482" y="973882"/>
             <a:ext cx="1475613" cy="830997"/>
           </a:xfrm>
           <a:prstGeom prst="rect">
@@ -4400,7 +4401,7 @@
         </p:nvSpPr>
         <p:spPr>
           <a:xfrm>
-            <a:off x="3077169" y="3861916"/>
+            <a:off x="3638001" y="3861916"/>
             <a:ext cx="266700" cy="918210"/>
           </a:xfrm>
           <a:prstGeom prst="downArrow">
@@ -4448,7 +4449,7 @@
         </p:nvSpPr>
         <p:spPr>
           <a:xfrm>
-            <a:off x="1844762" y="3997387"/>
+            <a:off x="2405594" y="3997387"/>
             <a:ext cx="1285407" cy="646331"/>
           </a:xfrm>
           <a:prstGeom prst="rect">
@@ -4480,7 +4481,7 @@
         </p:nvSpPr>
         <p:spPr>
           <a:xfrm>
-            <a:off x="3294745" y="3889997"/>
+            <a:off x="3855577" y="3889997"/>
             <a:ext cx="2178825" cy="830997"/>
           </a:xfrm>
           <a:prstGeom prst="rect">
@@ -4541,7 +4542,7 @@
         </p:nvSpPr>
         <p:spPr>
           <a:xfrm>
-            <a:off x="4347221" y="0"/>
+            <a:off x="4908053" y="0"/>
             <a:ext cx="1285407" cy="646331"/>
           </a:xfrm>
           <a:prstGeom prst="rect">
@@ -4573,7 +4574,7 @@
         </p:nvSpPr>
         <p:spPr>
           <a:xfrm rot="16200000">
-            <a:off x="4964685" y="-165600"/>
+            <a:off x="5525517" y="-165600"/>
             <a:ext cx="266700" cy="1678956"/>
           </a:xfrm>
           <a:prstGeom prst="downArrow">
@@ -4621,7 +4622,7 @@
         </p:nvSpPr>
         <p:spPr>
           <a:xfrm>
-            <a:off x="4397391" y="708146"/>
+            <a:off x="4958223" y="708146"/>
             <a:ext cx="1463425" cy="584775"/>
           </a:xfrm>
           <a:prstGeom prst="rect">
@@ -4667,7 +4668,7 @@
         </p:nvGrpSpPr>
         <p:grpSpPr>
           <a:xfrm>
-            <a:off x="5851846" y="2263540"/>
+            <a:off x="6412678" y="2263540"/>
             <a:ext cx="3452922" cy="2534743"/>
             <a:chOff x="875367" y="1675010"/>
             <a:chExt cx="3452922" cy="1122367"/>
@@ -4760,7 +4761,7 @@
         </p:nvSpPr>
         <p:spPr>
           <a:xfrm>
-            <a:off x="7368040" y="1752468"/>
+            <a:off x="7928872" y="1752468"/>
             <a:ext cx="266700" cy="500250"/>
           </a:xfrm>
           <a:prstGeom prst="downArrow">
@@ -4808,7 +4809,7 @@
         </p:nvSpPr>
         <p:spPr>
           <a:xfrm rot="14472234">
-            <a:off x="5386497" y="4436312"/>
+            <a:off x="5947329" y="4436312"/>
             <a:ext cx="266700" cy="631570"/>
           </a:xfrm>
           <a:prstGeom prst="downArrow">
@@ -4864,7 +4865,7 @@
         </p:blipFill>
         <p:spPr>
           <a:xfrm>
-            <a:off x="5687271" y="2740028"/>
+            <a:off x="6248103" y="2740028"/>
             <a:ext cx="3794368" cy="2017394"/>
           </a:xfrm>
           <a:prstGeom prst="rect">
@@ -4880,7 +4881,7 @@
         </p:nvSpPr>
         <p:spPr>
           <a:xfrm>
-            <a:off x="6040965" y="66467"/>
+            <a:off x="6601797" y="66467"/>
             <a:ext cx="2864887" cy="369332"/>
           </a:xfrm>
           <a:prstGeom prst="rect">
@@ -4930,7 +4931,7 @@
         </p:blipFill>
         <p:spPr>
           <a:xfrm>
-            <a:off x="7496858" y="317334"/>
+            <a:off x="8057690" y="317334"/>
             <a:ext cx="1554480" cy="1298679"/>
           </a:xfrm>
           <a:prstGeom prst="rect">
@@ -4940,66 +4941,13 @@
       </p:pic>
       <p:sp>
         <p:nvSpPr>
-          <p:cNvPr id="45" name="Rectangle 44"/>
-          <p:cNvSpPr/>
-          <p:nvPr/>
-        </p:nvSpPr>
-        <p:spPr>
-          <a:xfrm>
-            <a:off x="7209972" y="4331995"/>
-            <a:ext cx="2128252" cy="461665"/>
-          </a:xfrm>
-          <a:prstGeom prst="rect">
-            <a:avLst/>
-          </a:prstGeom>
-        </p:spPr>
-        <p:txBody>
-          <a:bodyPr wrap="square">
-            <a:spAutoFit/>
-          </a:bodyPr>
-          <a:lstStyle/>
-          <a:p>
-            <a:pPr algn="ctr"/>
-            <a:r>
-              <a:rPr lang="en-US" sz="1200" i="1" dirty="0" err="1">
-                <a:latin typeface="Arial" panose="020B0604020202020204" pitchFamily="34" charset="0"/>
-                <a:cs typeface="Arial" panose="020B0604020202020204" pitchFamily="34" charset="0"/>
-              </a:rPr>
-              <a:t>D→data</a:t>
-            </a:r>
-            <a:r>
-              <a:rPr lang="en-US" sz="1200" i="1" dirty="0">
-                <a:latin typeface="Arial" panose="020B0604020202020204" pitchFamily="34" charset="0"/>
-                <a:cs typeface="Arial" panose="020B0604020202020204" pitchFamily="34" charset="0"/>
-              </a:rPr>
-              <a:t>, M→ODE model, </a:t>
-            </a:r>
-            <a:r>
-              <a:rPr lang="el-GR" sz="1200" i="1" dirty="0">
-                <a:latin typeface="Arial" panose="020B0604020202020204" pitchFamily="34" charset="0"/>
-                <a:cs typeface="Arial" panose="020B0604020202020204" pitchFamily="34" charset="0"/>
-              </a:rPr>
-              <a:t>θ</a:t>
-            </a:r>
-            <a:r>
-              <a:rPr lang="en-US" sz="1200" i="1" dirty="0">
-                <a:latin typeface="Arial" panose="020B0604020202020204" pitchFamily="34" charset="0"/>
-                <a:cs typeface="Arial" panose="020B0604020202020204" pitchFamily="34" charset="0"/>
-              </a:rPr>
-              <a:t>→parameters</a:t>
-            </a:r>
-          </a:p>
-        </p:txBody>
-      </p:sp>
-      <p:sp>
-        <p:nvSpPr>
           <p:cNvPr id="47" name="Down Arrow 46"/>
           <p:cNvSpPr/>
           <p:nvPr/>
         </p:nvSpPr>
         <p:spPr>
           <a:xfrm>
-            <a:off x="7440596" y="4821748"/>
+            <a:off x="8001428" y="4821748"/>
             <a:ext cx="266700" cy="579926"/>
           </a:xfrm>
           <a:prstGeom prst="downArrow">
@@ -5047,7 +4995,7 @@
         </p:nvSpPr>
         <p:spPr>
           <a:xfrm>
-            <a:off x="7323837" y="4769634"/>
+            <a:off x="7884669" y="4769634"/>
             <a:ext cx="2114893" cy="646331"/>
           </a:xfrm>
           <a:prstGeom prst="rect">
@@ -5079,7 +5027,7 @@
         </p:nvSpPr>
         <p:spPr>
           <a:xfrm>
-            <a:off x="5433053" y="5413886"/>
+            <a:off x="5993885" y="5413886"/>
             <a:ext cx="4367162" cy="1418102"/>
           </a:xfrm>
           <a:prstGeom prst="roundRect">
@@ -5118,7 +5066,7 @@
         </p:nvSpPr>
         <p:spPr>
           <a:xfrm>
-            <a:off x="6617139" y="5368489"/>
+            <a:off x="7177971" y="5368489"/>
             <a:ext cx="2069797" cy="369332"/>
           </a:xfrm>
           <a:prstGeom prst="rect">
@@ -5158,7 +5106,7 @@
         </p:blipFill>
         <p:spPr>
           <a:xfrm>
-            <a:off x="5572760" y="5846571"/>
+            <a:off x="6133592" y="5846571"/>
             <a:ext cx="1532141" cy="824310"/>
           </a:xfrm>
           <a:prstGeom prst="rect">
@@ -5166,42 +5114,6 @@
           </a:prstGeom>
         </p:spPr>
       </p:pic>
-      <p:sp>
-        <p:nvSpPr>
-          <p:cNvPr id="46" name="Rectangle 45"/>
-          <p:cNvSpPr/>
-          <p:nvPr/>
-        </p:nvSpPr>
-        <p:spPr>
-          <a:xfrm>
-            <a:off x="5388791" y="4914649"/>
-            <a:ext cx="2109546" cy="338554"/>
-          </a:xfrm>
-          <a:prstGeom prst="rect">
-            <a:avLst/>
-          </a:prstGeom>
-        </p:spPr>
-        <p:txBody>
-          <a:bodyPr wrap="square">
-            <a:spAutoFit/>
-          </a:bodyPr>
-          <a:lstStyle/>
-          <a:p>
-            <a:pPr algn="r"/>
-            <a:r>
-              <a:rPr lang="en-US" sz="1600" dirty="0" err="1">
-                <a:latin typeface="Courier New" panose="02070309020205020404" pitchFamily="49" charset="0"/>
-                <a:cs typeface="Courier New" panose="02070309020205020404" pitchFamily="49" charset="0"/>
-              </a:rPr>
-              <a:t>SBEToolbox_lite</a:t>
-            </a:r>
-            <a:endParaRPr lang="en-US" sz="1600" dirty="0">
-              <a:latin typeface="Courier New" panose="02070309020205020404" pitchFamily="49" charset="0"/>
-              <a:cs typeface="Courier New" panose="02070309020205020404" pitchFamily="49" charset="0"/>
-            </a:endParaRPr>
-          </a:p>
-        </p:txBody>
-      </p:sp>
       <p:pic>
         <p:nvPicPr>
           <p:cNvPr id="20" name="Picture 19"/>
@@ -5217,7 +5129,7 @@
         </p:blipFill>
         <p:spPr>
           <a:xfrm>
-            <a:off x="8296063" y="5755048"/>
+            <a:off x="8856895" y="5755048"/>
             <a:ext cx="1468725" cy="920374"/>
           </a:xfrm>
           <a:prstGeom prst="rect">
@@ -5225,29 +5137,6 @@
           </a:prstGeom>
         </p:spPr>
       </p:pic>
-      <p:pic>
-        <p:nvPicPr>
-          <p:cNvPr id="28" name="Picture 27"/>
-          <p:cNvPicPr>
-            <a:picLocks noChangeAspect="1"/>
-          </p:cNvPicPr>
-          <p:nvPr/>
-        </p:nvPicPr>
-        <p:blipFill rotWithShape="1">
-          <a:blip r:embed="rId10"/>
-          <a:srcRect t="17223"/>
-          <a:stretch/>
-        </p:blipFill>
-        <p:spPr>
-          <a:xfrm>
-            <a:off x="7647485" y="4009842"/>
-            <a:ext cx="1512316" cy="327503"/>
-          </a:xfrm>
-          <a:prstGeom prst="rect">
-            <a:avLst/>
-          </a:prstGeom>
-        </p:spPr>
-      </p:pic>
       <p:sp>
         <p:nvSpPr>
           <p:cNvPr id="29" name="Rectangle 28"/>
@@ -5256,7 +5145,7 @@
         </p:nvSpPr>
         <p:spPr>
           <a:xfrm>
-            <a:off x="5525048" y="5507665"/>
+            <a:off x="6085880" y="5507665"/>
             <a:ext cx="1074947" cy="320352"/>
           </a:xfrm>
           <a:prstGeom prst="rect">
@@ -5307,7 +5196,7 @@
         </p:nvCxnSpPr>
         <p:spPr>
           <a:xfrm>
-            <a:off x="5546830" y="5614008"/>
+            <a:off x="6107662" y="5614008"/>
             <a:ext cx="274320" cy="0"/>
           </a:xfrm>
           <a:prstGeom prst="straightConnector1">
@@ -5344,7 +5233,7 @@
         </p:nvCxnSpPr>
         <p:spPr>
           <a:xfrm>
-            <a:off x="5555613" y="5737344"/>
+            <a:off x="6116445" y="5737344"/>
             <a:ext cx="265537" cy="0"/>
           </a:xfrm>
           <a:prstGeom prst="straightConnector1">
@@ -5381,7 +5270,7 @@
         </p:nvCxnSpPr>
         <p:spPr>
           <a:xfrm>
-            <a:off x="5825922" y="5687896"/>
+            <a:off x="6386754" y="5687896"/>
             <a:ext cx="0" cy="91440"/>
           </a:xfrm>
           <a:prstGeom prst="straightConnector1">
@@ -5419,7 +5308,7 @@
           <p:nvPr/>
         </p:nvPicPr>
         <p:blipFill>
-          <a:blip r:embed="rId11" cstate="hqprint">
+          <a:blip r:embed="rId10" cstate="hqprint">
             <a:extLst>
               <a:ext uri="{28A0092B-C50C-407E-A947-70E740481C1C}">
                 <a14:useLocalDpi xmlns:a14="http://schemas.microsoft.com/office/drawing/2010/main" val="0"/>
@@ -5432,7 +5321,7 @@
         </p:blipFill>
         <p:spPr>
           <a:xfrm>
-            <a:off x="7483671" y="5719455"/>
+            <a:off x="8044503" y="5719455"/>
             <a:ext cx="618299" cy="927449"/>
           </a:xfrm>
           <a:prstGeom prst="rect">
@@ -5448,7 +5337,7 @@
         </p:nvSpPr>
         <p:spPr>
           <a:xfrm>
-            <a:off x="1229952" y="1940802"/>
+            <a:off x="1790784" y="1940802"/>
             <a:ext cx="340158" cy="400110"/>
           </a:xfrm>
           <a:prstGeom prst="rect">
@@ -5477,7 +5366,7 @@
         </p:nvSpPr>
         <p:spPr>
           <a:xfrm>
-            <a:off x="1227407" y="6215235"/>
+            <a:off x="1788239" y="6215235"/>
             <a:ext cx="328936" cy="400110"/>
           </a:xfrm>
           <a:prstGeom prst="rect">
@@ -5506,7 +5395,7 @@
         </p:nvSpPr>
         <p:spPr>
           <a:xfrm>
-            <a:off x="5980947" y="1274327"/>
+            <a:off x="6541779" y="1274327"/>
             <a:ext cx="320922" cy="400110"/>
           </a:xfrm>
           <a:prstGeom prst="rect">
@@ -5535,7 +5424,7 @@
         </p:nvSpPr>
         <p:spPr>
           <a:xfrm>
-            <a:off x="8713870" y="2400945"/>
+            <a:off x="9229152" y="4309002"/>
             <a:ext cx="346570" cy="400110"/>
           </a:xfrm>
           <a:prstGeom prst="rect">
@@ -5564,7 +5453,7 @@
         </p:nvSpPr>
         <p:spPr>
           <a:xfrm>
-            <a:off x="5491489" y="6380477"/>
+            <a:off x="6052321" y="6380477"/>
             <a:ext cx="309700" cy="400110"/>
           </a:xfrm>
           <a:prstGeom prst="rect">
@@ -5593,7 +5482,7 @@
         </p:nvSpPr>
         <p:spPr>
           <a:xfrm>
-            <a:off x="7476370" y="6596390"/>
+            <a:off x="8037202" y="6596390"/>
             <a:ext cx="498855" cy="261610"/>
           </a:xfrm>
           <a:prstGeom prst="rect">
@@ -5625,7 +5514,7 @@
         </p:nvSpPr>
         <p:spPr>
           <a:xfrm rot="16200000">
-            <a:off x="7056436" y="6073805"/>
+            <a:off x="7617268" y="6073805"/>
             <a:ext cx="567784" cy="253916"/>
           </a:xfrm>
           <a:prstGeom prst="rect">
@@ -5657,7 +5546,7 @@
         </p:nvSpPr>
         <p:spPr>
           <a:xfrm>
-            <a:off x="2246285" y="458360"/>
+            <a:off x="2807117" y="458360"/>
             <a:ext cx="1864613" cy="369332"/>
           </a:xfrm>
           <a:prstGeom prst="rect">
@@ -5696,7 +5585,7 @@
         </p:nvSpPr>
         <p:spPr>
           <a:xfrm>
-            <a:off x="686940" y="378458"/>
+            <a:off x="1247772" y="378458"/>
             <a:ext cx="1489928" cy="584775"/>
           </a:xfrm>
           <a:prstGeom prst="rect">
@@ -5751,7 +5640,7 @@
         </p:nvSpPr>
         <p:spPr>
           <a:xfrm>
-            <a:off x="7440596" y="1778445"/>
+            <a:off x="8001428" y="1778445"/>
             <a:ext cx="1788736" cy="338554"/>
           </a:xfrm>
           <a:prstGeom prst="rect">
@@ -5793,6 +5682,186 @@
 </file>
 
 <file path=ppt/slides/slide10.xml><?xml version="1.0" encoding="utf-8"?>
+<p:sld xmlns:a="http://schemas.openxmlformats.org/drawingml/2006/main" xmlns:r="http://schemas.openxmlformats.org/officeDocument/2006/relationships" xmlns:p="http://schemas.openxmlformats.org/presentationml/2006/main">
+  <p:cSld>
+    <p:spTree>
+      <p:nvGrpSpPr>
+        <p:cNvPr id="1" name=""/>
+        <p:cNvGrpSpPr/>
+        <p:nvPr/>
+      </p:nvGrpSpPr>
+      <p:grpSpPr>
+        <a:xfrm>
+          <a:off x="0" y="0"/>
+          <a:ext cx="0" cy="0"/>
+          <a:chOff x="0" y="0"/>
+          <a:chExt cx="0" cy="0"/>
+        </a:xfrm>
+      </p:grpSpPr>
+      <p:pic>
+        <p:nvPicPr>
+          <p:cNvPr id="2" name="Picture 1">
+            <a:extLst>
+              <a:ext uri="{FF2B5EF4-FFF2-40B4-BE49-F238E27FC236}">
+                <a16:creationId xmlns:a16="http://schemas.microsoft.com/office/drawing/2014/main" id="{F436E3F6-F0B6-4B46-8C04-37A8435450A4}"/>
+              </a:ext>
+            </a:extLst>
+          </p:cNvPr>
+          <p:cNvPicPr>
+            <a:picLocks noChangeAspect="1"/>
+          </p:cNvPicPr>
+          <p:nvPr/>
+        </p:nvPicPr>
+        <p:blipFill>
+          <a:blip r:embed="rId2"/>
+          <a:stretch>
+            <a:fillRect/>
+          </a:stretch>
+        </p:blipFill>
+        <p:spPr>
+          <a:xfrm>
+            <a:off x="223096" y="593297"/>
+            <a:ext cx="7866535" cy="5856134"/>
+          </a:xfrm>
+          <a:prstGeom prst="rect">
+            <a:avLst/>
+          </a:prstGeom>
+        </p:spPr>
+      </p:pic>
+      <p:grpSp>
+        <p:nvGrpSpPr>
+          <p:cNvPr id="6" name="Group 5">
+            <a:extLst>
+              <a:ext uri="{FF2B5EF4-FFF2-40B4-BE49-F238E27FC236}">
+                <a16:creationId xmlns:a16="http://schemas.microsoft.com/office/drawing/2014/main" id="{64212F0D-BC73-42DE-B013-08C26DB2B64B}"/>
+              </a:ext>
+            </a:extLst>
+          </p:cNvPr>
+          <p:cNvGrpSpPr/>
+          <p:nvPr/>
+        </p:nvGrpSpPr>
+        <p:grpSpPr>
+          <a:xfrm>
+            <a:off x="7875425" y="2611443"/>
+            <a:ext cx="3850479" cy="2722850"/>
+            <a:chOff x="7875425" y="2611443"/>
+            <a:chExt cx="3850479" cy="2722850"/>
+          </a:xfrm>
+        </p:grpSpPr>
+        <p:pic>
+          <p:nvPicPr>
+            <p:cNvPr id="3" name="Picture 2">
+              <a:extLst>
+                <a:ext uri="{FF2B5EF4-FFF2-40B4-BE49-F238E27FC236}">
+                  <a16:creationId xmlns:a16="http://schemas.microsoft.com/office/drawing/2014/main" id="{145EA8DC-A772-442B-84C6-B4C7577C4325}"/>
+                </a:ext>
+              </a:extLst>
+            </p:cNvPr>
+            <p:cNvPicPr>
+              <a:picLocks noChangeAspect="1"/>
+            </p:cNvPicPr>
+            <p:nvPr/>
+          </p:nvPicPr>
+          <p:blipFill>
+            <a:blip r:embed="rId2"/>
+            <a:stretch>
+              <a:fillRect/>
+            </a:stretch>
+          </p:blipFill>
+          <p:spPr>
+            <a:xfrm>
+              <a:off x="7875425" y="2611443"/>
+              <a:ext cx="3657600" cy="2722850"/>
+            </a:xfrm>
+            <a:prstGeom prst="rect">
+              <a:avLst/>
+            </a:prstGeom>
+          </p:spPr>
+        </p:pic>
+        <p:pic>
+          <p:nvPicPr>
+            <p:cNvPr id="4" name="Picture 3">
+              <a:extLst>
+                <a:ext uri="{FF2B5EF4-FFF2-40B4-BE49-F238E27FC236}">
+                  <a16:creationId xmlns:a16="http://schemas.microsoft.com/office/drawing/2014/main" id="{EDEE9137-4378-411D-A75F-7EDAD4C591F9}"/>
+                </a:ext>
+              </a:extLst>
+            </p:cNvPr>
+            <p:cNvPicPr>
+              <a:picLocks noChangeAspect="1"/>
+            </p:cNvPicPr>
+            <p:nvPr/>
+          </p:nvPicPr>
+          <p:blipFill rotWithShape="1">
+            <a:blip r:embed="rId3"/>
+            <a:srcRect l="81159" t="1483" r="12145" b="53999"/>
+            <a:stretch/>
+          </p:blipFill>
+          <p:spPr>
+            <a:xfrm>
+              <a:off x="11340145" y="3205018"/>
+              <a:ext cx="385759" cy="1385454"/>
+            </a:xfrm>
+            <a:prstGeom prst="rect">
+              <a:avLst/>
+            </a:prstGeom>
+          </p:spPr>
+        </p:pic>
+        <p:sp>
+          <p:nvSpPr>
+            <p:cNvPr id="5" name="TextBox 4">
+              <a:extLst>
+                <a:ext uri="{FF2B5EF4-FFF2-40B4-BE49-F238E27FC236}">
+                  <a16:creationId xmlns:a16="http://schemas.microsoft.com/office/drawing/2014/main" id="{58D6416B-0B54-43BC-9E19-3B171B083783}"/>
+                </a:ext>
+              </a:extLst>
+            </p:cNvPr>
+            <p:cNvSpPr txBox="1"/>
+            <p:nvPr/>
+          </p:nvSpPr>
+          <p:spPr>
+            <a:xfrm>
+              <a:off x="9391982" y="2611443"/>
+              <a:ext cx="838691" cy="369332"/>
+            </a:xfrm>
+            <a:prstGeom prst="rect">
+              <a:avLst/>
+            </a:prstGeom>
+            <a:solidFill>
+              <a:schemeClr val="bg1"/>
+            </a:solidFill>
+          </p:spPr>
+          <p:txBody>
+            <a:bodyPr wrap="none" rtlCol="0">
+              <a:spAutoFit/>
+            </a:bodyPr>
+            <a:lstStyle/>
+            <a:p>
+              <a:r>
+                <a:rPr lang="en-US" b="1" dirty="0">
+                  <a:latin typeface="Arial" panose="020B0604020202020204" pitchFamily="34" charset="0"/>
+                  <a:cs typeface="Arial" panose="020B0604020202020204" pitchFamily="34" charset="0"/>
+                </a:rPr>
+                <a:t>NQO1</a:t>
+              </a:r>
+            </a:p>
+          </p:txBody>
+        </p:sp>
+      </p:grpSp>
+    </p:spTree>
+    <p:extLst>
+      <p:ext uri="{BB962C8B-B14F-4D97-AF65-F5344CB8AC3E}">
+        <p14:creationId xmlns:p14="http://schemas.microsoft.com/office/powerpoint/2010/main" val="3372808723"/>
+      </p:ext>
+    </p:extLst>
+  </p:cSld>
+  <p:clrMapOvr>
+    <a:masterClrMapping/>
+  </p:clrMapOvr>
+</p:sld>
+</file>
+
+<file path=ppt/slides/slide11.xml><?xml version="1.0" encoding="utf-8"?>
 <p:sld xmlns:a="http://schemas.openxmlformats.org/drawingml/2006/main" xmlns:r="http://schemas.openxmlformats.org/officeDocument/2006/relationships" xmlns:p="http://schemas.openxmlformats.org/presentationml/2006/main">
   <p:cSld>
     <p:spTree>
@@ -5972,7 +6041,7 @@
 </p:sld>
 </file>
 
-<file path=ppt/slides/slide11.xml><?xml version="1.0" encoding="utf-8"?>
+<file path=ppt/slides/slide12.xml><?xml version="1.0" encoding="utf-8"?>
 <p:sld xmlns:a="http://schemas.openxmlformats.org/drawingml/2006/main" xmlns:r="http://schemas.openxmlformats.org/officeDocument/2006/relationships" xmlns:p="http://schemas.openxmlformats.org/presentationml/2006/main">
   <p:cSld>
     <p:spTree>
@@ -6152,7 +6221,7 @@
 </p:sld>
 </file>
 
-<file path=ppt/slides/slide12.xml><?xml version="1.0" encoding="utf-8"?>
+<file path=ppt/slides/slide13.xml><?xml version="1.0" encoding="utf-8"?>
 <p:sld xmlns:a="http://schemas.openxmlformats.org/drawingml/2006/main" xmlns:r="http://schemas.openxmlformats.org/officeDocument/2006/relationships" xmlns:p="http://schemas.openxmlformats.org/presentationml/2006/main">
   <p:cSld>
     <p:spTree>
@@ -7156,7 +7225,7 @@
 </p:sld>
 </file>
 
-<file path=ppt/slides/slide13.xml><?xml version="1.0" encoding="utf-8"?>
+<file path=ppt/slides/slide14.xml><?xml version="1.0" encoding="utf-8"?>
 <p:sld xmlns:a="http://schemas.openxmlformats.org/drawingml/2006/main" xmlns:r="http://schemas.openxmlformats.org/officeDocument/2006/relationships" xmlns:p="http://schemas.openxmlformats.org/presentationml/2006/main">
   <p:cSld>
     <p:spTree>
@@ -8170,8 +8239,8 @@
         </p:nvSpPr>
         <p:spPr>
           <a:xfrm>
-            <a:off x="3228970" y="999820"/>
-            <a:ext cx="856942" cy="830997"/>
+            <a:off x="3260650" y="973882"/>
+            <a:ext cx="1475613" cy="830997"/>
           </a:xfrm>
           <a:prstGeom prst="rect">
             <a:avLst/>
@@ -8183,13 +8252,12 @@
           </a:bodyPr>
           <a:lstStyle/>
           <a:p>
-            <a:pPr algn="ctr"/>
             <a:r>
               <a:rPr lang="en-US" sz="1600" dirty="0" err="1">
                 <a:latin typeface="Courier New" panose="02070309020205020404" pitchFamily="49" charset="0"/>
                 <a:cs typeface="Courier New" panose="02070309020205020404" pitchFamily="49" charset="0"/>
               </a:rPr>
-              <a:t>tSNE</a:t>
+              <a:t>sc_tsne</a:t>
             </a:r>
             <a:br>
               <a:rPr lang="en-US" sz="1600" dirty="0">
@@ -8198,11 +8266,11 @@
               </a:rPr>
             </a:br>
             <a:r>
-              <a:rPr lang="en-US" sz="1600" dirty="0">
+              <a:rPr lang="en-US" sz="1600" dirty="0" err="1">
                 <a:latin typeface="Courier New" panose="02070309020205020404" pitchFamily="49" charset="0"/>
                 <a:cs typeface="Courier New" panose="02070309020205020404" pitchFamily="49" charset="0"/>
               </a:rPr>
-              <a:t>UMAP</a:t>
+              <a:t>run_ump</a:t>
             </a:r>
             <a:br>
               <a:rPr lang="en-US" sz="1600" dirty="0">
@@ -8211,12 +8279,16 @@
               </a:rPr>
             </a:br>
             <a:r>
-              <a:rPr lang="en-US" sz="1600" dirty="0">
+              <a:rPr lang="en-US" sz="1600" dirty="0" err="1">
                 <a:latin typeface="Courier New" panose="02070309020205020404" pitchFamily="49" charset="0"/>
                 <a:cs typeface="Courier New" panose="02070309020205020404" pitchFamily="49" charset="0"/>
               </a:rPr>
-              <a:t>PHATE</a:t>
-            </a:r>
+              <a:t>run_phate</a:t>
+            </a:r>
+            <a:endParaRPr lang="en-US" sz="1600" dirty="0">
+              <a:latin typeface="Courier New" panose="02070309020205020404" pitchFamily="49" charset="0"/>
+              <a:cs typeface="Courier New" panose="02070309020205020404" pitchFamily="49" charset="0"/>
+            </a:endParaRPr>
           </a:p>
         </p:txBody>
       </p:sp>
@@ -8308,8 +8380,8 @@
         </p:nvSpPr>
         <p:spPr>
           <a:xfrm>
-            <a:off x="3294746" y="3914381"/>
-            <a:ext cx="1446782" cy="830997"/>
+            <a:off x="3294745" y="3889997"/>
+            <a:ext cx="2178825" cy="830997"/>
           </a:xfrm>
           <a:prstGeom prst="rect">
             <a:avLst/>
@@ -8321,33 +8393,38 @@
           </a:bodyPr>
           <a:lstStyle/>
           <a:p>
-            <a:pPr algn="ctr"/>
-            <a:r>
-              <a:rPr lang="en-US" sz="1600" dirty="0">
-                <a:latin typeface="Courier New" panose="02070309020205020404" pitchFamily="49" charset="0"/>
-                <a:cs typeface="Courier New" panose="02070309020205020404" pitchFamily="49" charset="0"/>
-              </a:rPr>
-              <a:t>Wanderlust </a:t>
-            </a:r>
-          </a:p>
-          <a:p>
-            <a:pPr algn="ctr"/>
-            <a:r>
-              <a:rPr lang="en-US" sz="1600" dirty="0">
-                <a:latin typeface="Courier New" panose="02070309020205020404" pitchFamily="49" charset="0"/>
-                <a:cs typeface="Courier New" panose="02070309020205020404" pitchFamily="49" charset="0"/>
-              </a:rPr>
-              <a:t>Monocle</a:t>
-            </a:r>
-          </a:p>
-          <a:p>
-            <a:pPr algn="ctr"/>
             <a:r>
               <a:rPr lang="en-US" sz="1600" dirty="0" err="1">
                 <a:latin typeface="Courier New" panose="02070309020205020404" pitchFamily="49" charset="0"/>
                 <a:cs typeface="Courier New" panose="02070309020205020404" pitchFamily="49" charset="0"/>
               </a:rPr>
-              <a:t>splinefit</a:t>
+              <a:t>sc_tscan</a:t>
+            </a:r>
+            <a:endParaRPr lang="en-US" sz="1600" dirty="0">
+              <a:latin typeface="Courier New" panose="02070309020205020404" pitchFamily="49" charset="0"/>
+              <a:cs typeface="Courier New" panose="02070309020205020404" pitchFamily="49" charset="0"/>
+            </a:endParaRPr>
+          </a:p>
+          <a:p>
+            <a:r>
+              <a:rPr lang="en-US" sz="1600" dirty="0" err="1">
+                <a:latin typeface="Courier New" panose="02070309020205020404" pitchFamily="49" charset="0"/>
+                <a:cs typeface="Courier New" panose="02070309020205020404" pitchFamily="49" charset="0"/>
+              </a:rPr>
+              <a:t>sc_trajectory</a:t>
+            </a:r>
+            <a:endParaRPr lang="en-US" sz="1600" dirty="0">
+              <a:latin typeface="Courier New" panose="02070309020205020404" pitchFamily="49" charset="0"/>
+              <a:cs typeface="Courier New" panose="02070309020205020404" pitchFamily="49" charset="0"/>
+            </a:endParaRPr>
+          </a:p>
+          <a:p>
+            <a:r>
+              <a:rPr lang="en-US" sz="1600" dirty="0" err="1">
+                <a:latin typeface="Courier New" panose="02070309020205020404" pitchFamily="49" charset="0"/>
+                <a:cs typeface="Courier New" panose="02070309020205020404" pitchFamily="49" charset="0"/>
+              </a:rPr>
+              <a:t>plot_pseudotime</a:t>
             </a:r>
             <a:endParaRPr lang="en-US" sz="1600" dirty="0">
               <a:latin typeface="Courier New" panose="02070309020205020404" pitchFamily="49" charset="0"/>
@@ -8444,7 +8521,7 @@
         </p:nvSpPr>
         <p:spPr>
           <a:xfrm>
-            <a:off x="4242777" y="744930"/>
+            <a:off x="4397391" y="708146"/>
             <a:ext cx="1463425" cy="584775"/>
           </a:xfrm>
           <a:prstGeom prst="rect">
@@ -8457,42 +8534,28 @@
           </a:bodyPr>
           <a:lstStyle/>
           <a:p>
-            <a:pPr algn="ctr"/>
+            <a:pPr algn="r"/>
+            <a:r>
+              <a:rPr lang="en-US" sz="1600" dirty="0" err="1">
+                <a:latin typeface="Courier New" panose="02070309020205020404" pitchFamily="49" charset="0"/>
+                <a:cs typeface="Courier New" panose="02070309020205020404" pitchFamily="49" charset="0"/>
+              </a:rPr>
+              <a:t>sc_pcnet</a:t>
+            </a:r>
+            <a:endParaRPr lang="en-US" sz="1600" dirty="0">
+              <a:latin typeface="Courier New" panose="02070309020205020404" pitchFamily="49" charset="0"/>
+              <a:cs typeface="Courier New" panose="02070309020205020404" pitchFamily="49" charset="0"/>
+            </a:endParaRPr>
+          </a:p>
+          <a:p>
+            <a:pPr algn="r"/>
             <a:r>
               <a:rPr lang="en-US" sz="1600" dirty="0">
                 <a:latin typeface="Courier New" panose="02070309020205020404" pitchFamily="49" charset="0"/>
                 <a:cs typeface="Courier New" panose="02070309020205020404" pitchFamily="49" charset="0"/>
               </a:rPr>
-              <a:t>GENIE3</a:t>
-            </a:r>
-          </a:p>
-          <a:p>
-            <a:pPr algn="ctr"/>
-            <a:r>
-              <a:rPr lang="en-US" sz="1600" dirty="0" err="1">
-                <a:latin typeface="Courier New" panose="02070309020205020404" pitchFamily="49" charset="0"/>
-                <a:cs typeface="Courier New" panose="02070309020205020404" pitchFamily="49" charset="0"/>
-              </a:rPr>
-              <a:t>dna</a:t>
-            </a:r>
-            <a:r>
-              <a:rPr lang="en-US" sz="1600" dirty="0">
-                <a:latin typeface="Courier New" panose="02070309020205020404" pitchFamily="49" charset="0"/>
-                <a:cs typeface="Courier New" panose="02070309020205020404" pitchFamily="49" charset="0"/>
-              </a:rPr>
-              <a:t>::</a:t>
-            </a:r>
-            <a:r>
-              <a:rPr lang="en-US" sz="1600" dirty="0" err="1">
-                <a:latin typeface="Courier New" panose="02070309020205020404" pitchFamily="49" charset="0"/>
-                <a:cs typeface="Courier New" panose="02070309020205020404" pitchFamily="49" charset="0"/>
-              </a:rPr>
-              <a:t>PCnet</a:t>
-            </a:r>
-            <a:endParaRPr lang="en-US" sz="1600" dirty="0">
-              <a:latin typeface="Courier New" panose="02070309020205020404" pitchFamily="49" charset="0"/>
-              <a:cs typeface="Courier New" panose="02070309020205020404" pitchFamily="49" charset="0"/>
-            </a:endParaRPr>
+              <a:t>run_genie3</a:t>
+            </a:r>
           </a:p>
         </p:txBody>
       </p:sp>
@@ -9011,8 +9074,8 @@
         </p:nvSpPr>
         <p:spPr>
           <a:xfrm>
-            <a:off x="5286424" y="4854186"/>
-            <a:ext cx="2306823" cy="584775"/>
+            <a:off x="5388791" y="4914649"/>
+            <a:ext cx="2109546" cy="338554"/>
           </a:xfrm>
           <a:prstGeom prst="rect">
             <a:avLst/>
@@ -9024,27 +9087,18 @@
           </a:bodyPr>
           <a:lstStyle/>
           <a:p>
-            <a:pPr algn="ctr"/>
+            <a:pPr algn="r"/>
             <a:r>
               <a:rPr lang="en-US" sz="1600" dirty="0" err="1">
                 <a:latin typeface="Courier New" panose="02070309020205020404" pitchFamily="49" charset="0"/>
                 <a:cs typeface="Courier New" panose="02070309020205020404" pitchFamily="49" charset="0"/>
               </a:rPr>
-              <a:t>inferenceSnapshot</a:t>
-            </a:r>
-            <a:br>
-              <a:rPr lang="en-US" sz="1600" dirty="0">
-                <a:latin typeface="Courier New" panose="02070309020205020404" pitchFamily="49" charset="0"/>
-                <a:cs typeface="Courier New" panose="02070309020205020404" pitchFamily="49" charset="0"/>
-              </a:rPr>
-            </a:br>
-            <a:r>
-              <a:rPr lang="en-US" sz="1600" dirty="0">
-                <a:latin typeface="Courier New" panose="02070309020205020404" pitchFamily="49" charset="0"/>
-                <a:cs typeface="Courier New" panose="02070309020205020404" pitchFamily="49" charset="0"/>
-              </a:rPr>
-              <a:t>dynGENIE3, SCODE</a:t>
-            </a:r>
+              <a:t>SBEToolbox_lite</a:t>
+            </a:r>
+            <a:endParaRPr lang="en-US" sz="1600" dirty="0">
+              <a:latin typeface="Courier New" panose="02070309020205020404" pitchFamily="49" charset="0"/>
+              <a:cs typeface="Courier New" panose="02070309020205020404" pitchFamily="49" charset="0"/>
+            </a:endParaRPr>
           </a:p>
         </p:txBody>
       </p:sp>
@@ -9528,6 +9582,2344 @@
           </a:p>
         </p:txBody>
       </p:sp>
+      <p:sp>
+        <p:nvSpPr>
+          <p:cNvPr id="62" name="Rectangle 61">
+            <a:extLst>
+              <a:ext uri="{FF2B5EF4-FFF2-40B4-BE49-F238E27FC236}">
+                <a16:creationId xmlns:a16="http://schemas.microsoft.com/office/drawing/2014/main" id="{96CF450D-3CBE-4149-833E-9B17BB3B5D3B}"/>
+              </a:ext>
+            </a:extLst>
+          </p:cNvPr>
+          <p:cNvSpPr/>
+          <p:nvPr/>
+        </p:nvSpPr>
+        <p:spPr>
+          <a:xfrm>
+            <a:off x="686940" y="378458"/>
+            <a:ext cx="1489928" cy="584775"/>
+          </a:xfrm>
+          <a:prstGeom prst="rect">
+            <a:avLst/>
+          </a:prstGeom>
+        </p:spPr>
+        <p:txBody>
+          <a:bodyPr wrap="square">
+            <a:spAutoFit/>
+          </a:bodyPr>
+          <a:lstStyle/>
+          <a:p>
+            <a:pPr algn="r"/>
+            <a:r>
+              <a:rPr lang="en-US" sz="1600" dirty="0" err="1">
+                <a:latin typeface="Courier New" panose="02070309020205020404" pitchFamily="49" charset="0"/>
+                <a:cs typeface="Courier New" panose="02070309020205020404" pitchFamily="49" charset="0"/>
+              </a:rPr>
+              <a:t>sc_qc</a:t>
+            </a:r>
+            <a:br>
+              <a:rPr lang="en-US" sz="1600" dirty="0">
+                <a:latin typeface="Courier New" panose="02070309020205020404" pitchFamily="49" charset="0"/>
+                <a:cs typeface="Courier New" panose="02070309020205020404" pitchFamily="49" charset="0"/>
+              </a:rPr>
+            </a:br>
+            <a:r>
+              <a:rPr lang="en-US" sz="1600" dirty="0" err="1">
+                <a:latin typeface="Courier New" panose="02070309020205020404" pitchFamily="49" charset="0"/>
+                <a:cs typeface="Courier New" panose="02070309020205020404" pitchFamily="49" charset="0"/>
+              </a:rPr>
+              <a:t>sc_norm</a:t>
+            </a:r>
+            <a:endParaRPr lang="en-US" sz="1600" dirty="0">
+              <a:latin typeface="Courier New" panose="02070309020205020404" pitchFamily="49" charset="0"/>
+              <a:cs typeface="Courier New" panose="02070309020205020404" pitchFamily="49" charset="0"/>
+            </a:endParaRPr>
+          </a:p>
+        </p:txBody>
+      </p:sp>
+      <p:sp>
+        <p:nvSpPr>
+          <p:cNvPr id="64" name="Rectangle 63">
+            <a:extLst>
+              <a:ext uri="{FF2B5EF4-FFF2-40B4-BE49-F238E27FC236}">
+                <a16:creationId xmlns:a16="http://schemas.microsoft.com/office/drawing/2014/main" id="{CE74AFD8-DFF9-4226-9F7E-D262DA89CBA7}"/>
+              </a:ext>
+            </a:extLst>
+          </p:cNvPr>
+          <p:cNvSpPr/>
+          <p:nvPr/>
+        </p:nvSpPr>
+        <p:spPr>
+          <a:xfrm>
+            <a:off x="7440596" y="1778445"/>
+            <a:ext cx="1788736" cy="338554"/>
+          </a:xfrm>
+          <a:prstGeom prst="rect">
+            <a:avLst/>
+          </a:prstGeom>
+        </p:spPr>
+        <p:txBody>
+          <a:bodyPr wrap="square">
+            <a:spAutoFit/>
+          </a:bodyPr>
+          <a:lstStyle/>
+          <a:p>
+            <a:pPr algn="ctr"/>
+            <a:r>
+              <a:rPr lang="en-US" sz="1600" dirty="0" err="1">
+                <a:latin typeface="Courier New" panose="02070309020205020404" pitchFamily="49" charset="0"/>
+                <a:cs typeface="Courier New" panose="02070309020205020404" pitchFamily="49" charset="0"/>
+              </a:rPr>
+              <a:t>sc_pcnetpar</a:t>
+            </a:r>
+            <a:endParaRPr lang="en-US" sz="1600" dirty="0">
+              <a:latin typeface="Courier New" panose="02070309020205020404" pitchFamily="49" charset="0"/>
+              <a:cs typeface="Courier New" panose="02070309020205020404" pitchFamily="49" charset="0"/>
+            </a:endParaRPr>
+          </a:p>
+        </p:txBody>
+      </p:sp>
+    </p:spTree>
+    <p:extLst>
+      <p:ext uri="{BB962C8B-B14F-4D97-AF65-F5344CB8AC3E}">
+        <p14:creationId xmlns:p14="http://schemas.microsoft.com/office/powerpoint/2010/main" val="1520552740"/>
+      </p:ext>
+    </p:extLst>
+  </p:cSld>
+  <p:clrMapOvr>
+    <a:masterClrMapping/>
+  </p:clrMapOvr>
+</p:sld>
+</file>
+
+<file path=ppt/slides/slide3.xml><?xml version="1.0" encoding="utf-8"?>
+<p:sld xmlns:a="http://schemas.openxmlformats.org/drawingml/2006/main" xmlns:r="http://schemas.openxmlformats.org/officeDocument/2006/relationships" xmlns:p="http://schemas.openxmlformats.org/presentationml/2006/main">
+  <p:cSld>
+    <p:spTree>
+      <p:nvGrpSpPr>
+        <p:cNvPr id="1" name=""/>
+        <p:cNvGrpSpPr/>
+        <p:nvPr/>
+      </p:nvGrpSpPr>
+      <p:grpSpPr>
+        <a:xfrm>
+          <a:off x="0" y="0"/>
+          <a:ext cx="0" cy="0"/>
+          <a:chOff x="0" y="0"/>
+          <a:chExt cx="0" cy="0"/>
+        </a:xfrm>
+      </p:grpSpPr>
+      <p:sp>
+        <p:nvSpPr>
+          <p:cNvPr id="27" name="Rounded Rectangle 26"/>
+          <p:cNvSpPr/>
+          <p:nvPr/>
+        </p:nvSpPr>
+        <p:spPr>
+          <a:xfrm>
+            <a:off x="5937513" y="36665"/>
+            <a:ext cx="3077377" cy="1688648"/>
+          </a:xfrm>
+          <a:prstGeom prst="roundRect">
+            <a:avLst/>
+          </a:prstGeom>
+          <a:ln w="19050"/>
+        </p:spPr>
+        <p:style>
+          <a:lnRef idx="2">
+            <a:schemeClr val="dk1"/>
+          </a:lnRef>
+          <a:fillRef idx="1">
+            <a:schemeClr val="lt1"/>
+          </a:fillRef>
+          <a:effectRef idx="0">
+            <a:schemeClr val="dk1"/>
+          </a:effectRef>
+          <a:fontRef idx="minor">
+            <a:schemeClr val="dk1"/>
+          </a:fontRef>
+        </p:style>
+        <p:txBody>
+          <a:bodyPr rtlCol="0" anchor="ctr"/>
+          <a:lstStyle/>
+          <a:p>
+            <a:pPr algn="ctr"/>
+            <a:endParaRPr lang="en-US"/>
+          </a:p>
+        </p:txBody>
+      </p:sp>
+      <p:pic>
+        <p:nvPicPr>
+          <p:cNvPr id="3" name="Picture 2"/>
+          <p:cNvPicPr>
+            <a:picLocks noChangeAspect="1"/>
+          </p:cNvPicPr>
+          <p:nvPr/>
+        </p:nvPicPr>
+        <p:blipFill rotWithShape="1">
+          <a:blip r:embed="rId2">
+            <a:clrChange>
+              <a:clrFrom>
+                <a:srgbClr val="FFFFFF"/>
+              </a:clrFrom>
+              <a:clrTo>
+                <a:srgbClr val="FFFFFF">
+                  <a:alpha val="0"/>
+                </a:srgbClr>
+              </a:clrTo>
+            </a:clrChange>
+          </a:blip>
+          <a:srcRect l="58150" t="55606" r="7350" b="11853"/>
+          <a:stretch/>
+        </p:blipFill>
+        <p:spPr>
+          <a:xfrm>
+            <a:off x="5887637" y="310551"/>
+            <a:ext cx="1920240" cy="1357237"/>
+          </a:xfrm>
+          <a:prstGeom prst="rect">
+            <a:avLst/>
+          </a:prstGeom>
+        </p:spPr>
+      </p:pic>
+      <p:grpSp>
+        <p:nvGrpSpPr>
+          <p:cNvPr id="23" name="Group 22"/>
+          <p:cNvGrpSpPr/>
+          <p:nvPr/>
+        </p:nvGrpSpPr>
+        <p:grpSpPr>
+          <a:xfrm>
+            <a:off x="1139551" y="4752097"/>
+            <a:ext cx="4037216" cy="1998785"/>
+            <a:chOff x="1110138" y="4104858"/>
+            <a:chExt cx="4037216" cy="1998785"/>
+          </a:xfrm>
+        </p:grpSpPr>
+        <p:grpSp>
+          <p:nvGrpSpPr>
+            <p:cNvPr id="11" name="Group 10"/>
+            <p:cNvGrpSpPr/>
+            <p:nvPr/>
+          </p:nvGrpSpPr>
+          <p:grpSpPr>
+            <a:xfrm>
+              <a:off x="1737650" y="4104858"/>
+              <a:ext cx="3266993" cy="1995251"/>
+              <a:chOff x="5483568" y="3515345"/>
+              <a:chExt cx="4981232" cy="3042188"/>
+            </a:xfrm>
+          </p:grpSpPr>
+          <p:pic>
+            <p:nvPicPr>
+              <p:cNvPr id="4" name="Picture 3"/>
+              <p:cNvPicPr>
+                <a:picLocks noChangeAspect="1"/>
+              </p:cNvPicPr>
+              <p:nvPr/>
+            </p:nvPicPr>
+            <p:blipFill rotWithShape="1">
+              <a:blip r:embed="rId3"/>
+              <a:srcRect t="36809" r="6614"/>
+              <a:stretch/>
+            </p:blipFill>
+            <p:spPr>
+              <a:xfrm>
+                <a:off x="5483568" y="4029559"/>
+                <a:ext cx="4981232" cy="2527974"/>
+              </a:xfrm>
+              <a:prstGeom prst="rect">
+                <a:avLst/>
+              </a:prstGeom>
+            </p:spPr>
+          </p:pic>
+          <p:pic>
+            <p:nvPicPr>
+              <p:cNvPr id="5" name="Picture 4"/>
+              <p:cNvPicPr>
+                <a:picLocks noChangeAspect="1"/>
+              </p:cNvPicPr>
+              <p:nvPr/>
+            </p:nvPicPr>
+            <p:blipFill rotWithShape="1">
+              <a:blip r:embed="rId3"/>
+              <a:srcRect r="6732" b="87146"/>
+              <a:stretch/>
+            </p:blipFill>
+            <p:spPr>
+              <a:xfrm>
+                <a:off x="5483568" y="3515345"/>
+                <a:ext cx="4974882" cy="514214"/>
+              </a:xfrm>
+              <a:prstGeom prst="rect">
+                <a:avLst/>
+              </a:prstGeom>
+            </p:spPr>
+          </p:pic>
+          <p:cxnSp>
+            <p:nvCxnSpPr>
+              <p:cNvPr id="7" name="Straight Connector 6"/>
+              <p:cNvCxnSpPr/>
+              <p:nvPr/>
+            </p:nvCxnSpPr>
+            <p:spPr>
+              <a:xfrm>
+                <a:off x="9518650" y="4476750"/>
+                <a:ext cx="889000" cy="0"/>
+              </a:xfrm>
+              <a:prstGeom prst="line">
+                <a:avLst/>
+              </a:prstGeom>
+              <a:ln w="12700"/>
+            </p:spPr>
+            <p:style>
+              <a:lnRef idx="1">
+                <a:schemeClr val="dk1"/>
+              </a:lnRef>
+              <a:fillRef idx="0">
+                <a:schemeClr val="dk1"/>
+              </a:fillRef>
+              <a:effectRef idx="0">
+                <a:schemeClr val="dk1"/>
+              </a:effectRef>
+              <a:fontRef idx="minor">
+                <a:schemeClr val="tx1"/>
+              </a:fontRef>
+            </p:style>
+          </p:cxnSp>
+          <p:sp>
+            <p:nvSpPr>
+              <p:cNvPr id="8" name="Rectangle 7"/>
+              <p:cNvSpPr/>
+              <p:nvPr/>
+            </p:nvSpPr>
+            <p:spPr>
+              <a:xfrm>
+                <a:off x="9448800" y="3981450"/>
+                <a:ext cx="1009650" cy="495300"/>
+              </a:xfrm>
+              <a:prstGeom prst="rect">
+                <a:avLst/>
+              </a:prstGeom>
+              <a:ln>
+                <a:noFill/>
+              </a:ln>
+            </p:spPr>
+            <p:style>
+              <a:lnRef idx="2">
+                <a:schemeClr val="dk1"/>
+              </a:lnRef>
+              <a:fillRef idx="1">
+                <a:schemeClr val="lt1"/>
+              </a:fillRef>
+              <a:effectRef idx="0">
+                <a:schemeClr val="dk1"/>
+              </a:effectRef>
+              <a:fontRef idx="minor">
+                <a:schemeClr val="dk1"/>
+              </a:fontRef>
+            </p:style>
+            <p:txBody>
+              <a:bodyPr rtlCol="0" anchor="ctr"/>
+              <a:lstStyle/>
+              <a:p>
+                <a:pPr algn="ctr"/>
+                <a:endParaRPr lang="en-US"/>
+              </a:p>
+            </p:txBody>
+          </p:sp>
+          <p:sp>
+            <p:nvSpPr>
+              <p:cNvPr id="9" name="Rectangle 8"/>
+              <p:cNvSpPr/>
+              <p:nvPr/>
+            </p:nvSpPr>
+            <p:spPr>
+              <a:xfrm>
+                <a:off x="5797550" y="3772452"/>
+                <a:ext cx="196850" cy="120098"/>
+              </a:xfrm>
+              <a:prstGeom prst="rect">
+                <a:avLst/>
+              </a:prstGeom>
+              <a:ln>
+                <a:noFill/>
+              </a:ln>
+            </p:spPr>
+            <p:style>
+              <a:lnRef idx="2">
+                <a:schemeClr val="dk1"/>
+              </a:lnRef>
+              <a:fillRef idx="1">
+                <a:schemeClr val="lt1"/>
+              </a:fillRef>
+              <a:effectRef idx="0">
+                <a:schemeClr val="dk1"/>
+              </a:effectRef>
+              <a:fontRef idx="minor">
+                <a:schemeClr val="dk1"/>
+              </a:fontRef>
+            </p:style>
+            <p:txBody>
+              <a:bodyPr rtlCol="0" anchor="ctr"/>
+              <a:lstStyle/>
+              <a:p>
+                <a:pPr algn="ctr"/>
+                <a:endParaRPr lang="en-US"/>
+              </a:p>
+            </p:txBody>
+          </p:sp>
+          <p:sp>
+            <p:nvSpPr>
+              <p:cNvPr id="10" name="Rectangle 9"/>
+              <p:cNvSpPr/>
+              <p:nvPr/>
+            </p:nvSpPr>
+            <p:spPr>
+              <a:xfrm>
+                <a:off x="6318250" y="3515345"/>
+                <a:ext cx="2755900" cy="242510"/>
+              </a:xfrm>
+              <a:prstGeom prst="rect">
+                <a:avLst/>
+              </a:prstGeom>
+              <a:ln>
+                <a:noFill/>
+              </a:ln>
+            </p:spPr>
+            <p:style>
+              <a:lnRef idx="2">
+                <a:schemeClr val="dk1"/>
+              </a:lnRef>
+              <a:fillRef idx="1">
+                <a:schemeClr val="lt1"/>
+              </a:fillRef>
+              <a:effectRef idx="0">
+                <a:schemeClr val="dk1"/>
+              </a:effectRef>
+              <a:fontRef idx="minor">
+                <a:schemeClr val="dk1"/>
+              </a:fontRef>
+            </p:style>
+            <p:txBody>
+              <a:bodyPr rtlCol="0" anchor="ctr"/>
+              <a:lstStyle/>
+              <a:p>
+                <a:pPr algn="ctr"/>
+                <a:endParaRPr lang="en-US"/>
+              </a:p>
+            </p:txBody>
+          </p:sp>
+        </p:grpSp>
+        <p:sp>
+          <p:nvSpPr>
+            <p:cNvPr id="22" name="TextBox 21"/>
+            <p:cNvSpPr txBox="1"/>
+            <p:nvPr/>
+          </p:nvSpPr>
+          <p:spPr>
+            <a:xfrm>
+              <a:off x="1342868" y="4304982"/>
+              <a:ext cx="2026196" cy="461665"/>
+            </a:xfrm>
+            <a:prstGeom prst="rect">
+              <a:avLst/>
+            </a:prstGeom>
+            <a:solidFill>
+              <a:schemeClr val="bg1"/>
+            </a:solidFill>
+          </p:spPr>
+          <p:txBody>
+            <a:bodyPr wrap="none" lIns="0" tIns="91440" rIns="0" bIns="91440" rtlCol="0">
+              <a:spAutoFit/>
+            </a:bodyPr>
+            <a:lstStyle/>
+            <a:p>
+              <a:r>
+                <a:rPr lang="en-US" b="1" dirty="0" err="1">
+                  <a:latin typeface="Arial" panose="020B0604020202020204" pitchFamily="34" charset="0"/>
+                  <a:cs typeface="Arial" panose="020B0604020202020204" pitchFamily="34" charset="0"/>
+                </a:rPr>
+                <a:t>pseudotime</a:t>
+              </a:r>
+              <a:r>
+                <a:rPr lang="en-US" b="1" dirty="0">
+                  <a:latin typeface="Arial" panose="020B0604020202020204" pitchFamily="34" charset="0"/>
+                  <a:cs typeface="Arial" panose="020B0604020202020204" pitchFamily="34" charset="0"/>
+                </a:rPr>
+                <a:t> series</a:t>
+              </a:r>
+            </a:p>
+          </p:txBody>
+        </p:sp>
+        <p:sp>
+          <p:nvSpPr>
+            <p:cNvPr id="21" name="Rounded Rectangle 20"/>
+            <p:cNvSpPr/>
+            <p:nvPr/>
+          </p:nvSpPr>
+          <p:spPr>
+            <a:xfrm>
+              <a:off x="1110138" y="4145929"/>
+              <a:ext cx="4037216" cy="1957714"/>
+            </a:xfrm>
+            <a:prstGeom prst="roundRect">
+              <a:avLst/>
+            </a:prstGeom>
+            <a:noFill/>
+            <a:ln w="19050"/>
+          </p:spPr>
+          <p:style>
+            <a:lnRef idx="2">
+              <a:schemeClr val="dk1"/>
+            </a:lnRef>
+            <a:fillRef idx="1">
+              <a:schemeClr val="lt1"/>
+            </a:fillRef>
+            <a:effectRef idx="0">
+              <a:schemeClr val="dk1"/>
+            </a:effectRef>
+            <a:fontRef idx="minor">
+              <a:schemeClr val="dk1"/>
+            </a:fontRef>
+          </p:style>
+          <p:txBody>
+            <a:bodyPr rtlCol="0" anchor="ctr"/>
+            <a:lstStyle/>
+            <a:p>
+              <a:pPr algn="ctr"/>
+              <a:endParaRPr lang="en-US"/>
+            </a:p>
+          </p:txBody>
+        </p:sp>
+      </p:grpSp>
+      <p:grpSp>
+        <p:nvGrpSpPr>
+          <p:cNvPr id="32" name="Group 31"/>
+          <p:cNvGrpSpPr/>
+          <p:nvPr/>
+        </p:nvGrpSpPr>
+        <p:grpSpPr>
+          <a:xfrm>
+            <a:off x="1188736" y="1891758"/>
+            <a:ext cx="4043566" cy="1957714"/>
+            <a:chOff x="2008131" y="951067"/>
+            <a:chExt cx="4043566" cy="1957714"/>
+          </a:xfrm>
+        </p:grpSpPr>
+        <p:grpSp>
+          <p:nvGrpSpPr>
+            <p:cNvPr id="24" name="Group 23"/>
+            <p:cNvGrpSpPr/>
+            <p:nvPr/>
+          </p:nvGrpSpPr>
+          <p:grpSpPr>
+            <a:xfrm>
+              <a:off x="2008131" y="951067"/>
+              <a:ext cx="4043566" cy="1957714"/>
+              <a:chOff x="916476" y="1685226"/>
+              <a:chExt cx="4043566" cy="1957714"/>
+            </a:xfrm>
+          </p:grpSpPr>
+          <p:sp>
+            <p:nvSpPr>
+              <p:cNvPr id="12" name="Rounded Rectangle 11"/>
+              <p:cNvSpPr/>
+              <p:nvPr/>
+            </p:nvSpPr>
+            <p:spPr>
+              <a:xfrm>
+                <a:off x="922826" y="1685226"/>
+                <a:ext cx="4037216" cy="1957714"/>
+              </a:xfrm>
+              <a:prstGeom prst="roundRect">
+                <a:avLst/>
+              </a:prstGeom>
+              <a:ln w="19050"/>
+            </p:spPr>
+            <p:style>
+              <a:lnRef idx="2">
+                <a:schemeClr val="dk1"/>
+              </a:lnRef>
+              <a:fillRef idx="1">
+                <a:schemeClr val="lt1"/>
+              </a:fillRef>
+              <a:effectRef idx="0">
+                <a:schemeClr val="dk1"/>
+              </a:effectRef>
+              <a:fontRef idx="minor">
+                <a:schemeClr val="dk1"/>
+              </a:fontRef>
+            </p:style>
+            <p:txBody>
+              <a:bodyPr rtlCol="0" anchor="ctr"/>
+              <a:lstStyle/>
+              <a:p>
+                <a:pPr algn="ctr"/>
+                <a:endParaRPr lang="en-US"/>
+              </a:p>
+            </p:txBody>
+          </p:sp>
+          <p:pic>
+            <p:nvPicPr>
+              <p:cNvPr id="18" name="Picture 17"/>
+              <p:cNvPicPr>
+                <a:picLocks noChangeAspect="1"/>
+              </p:cNvPicPr>
+              <p:nvPr/>
+            </p:nvPicPr>
+            <p:blipFill rotWithShape="1">
+              <a:blip r:embed="rId4"/>
+              <a:srcRect l="78598" t="5893" r="7728"/>
+              <a:stretch/>
+            </p:blipFill>
+            <p:spPr>
+              <a:xfrm>
+                <a:off x="4404710" y="2475922"/>
+                <a:ext cx="365760" cy="983492"/>
+              </a:xfrm>
+              <a:prstGeom prst="rect">
+                <a:avLst/>
+              </a:prstGeom>
+            </p:spPr>
+          </p:pic>
+          <p:pic>
+            <p:nvPicPr>
+              <p:cNvPr id="19" name="Picture 18"/>
+              <p:cNvPicPr>
+                <a:picLocks noChangeAspect="1"/>
+              </p:cNvPicPr>
+              <p:nvPr/>
+            </p:nvPicPr>
+            <p:blipFill rotWithShape="1">
+              <a:blip r:embed="rId5"/>
+              <a:srcRect r="20204"/>
+              <a:stretch/>
+            </p:blipFill>
+            <p:spPr>
+              <a:xfrm>
+                <a:off x="916476" y="1774205"/>
+                <a:ext cx="3476512" cy="1828800"/>
+              </a:xfrm>
+              <a:prstGeom prst="rect">
+                <a:avLst/>
+              </a:prstGeom>
+            </p:spPr>
+          </p:pic>
+          <p:sp>
+            <p:nvSpPr>
+              <p:cNvPr id="13" name="TextBox 12"/>
+              <p:cNvSpPr txBox="1"/>
+              <p:nvPr/>
+            </p:nvSpPr>
+            <p:spPr>
+              <a:xfrm>
+                <a:off x="3128746" y="2045396"/>
+                <a:ext cx="1749197" cy="369332"/>
+              </a:xfrm>
+              <a:prstGeom prst="rect">
+                <a:avLst/>
+              </a:prstGeom>
+              <a:solidFill>
+                <a:schemeClr val="bg1"/>
+              </a:solidFill>
+            </p:spPr>
+            <p:txBody>
+              <a:bodyPr wrap="none" rtlCol="0">
+                <a:spAutoFit/>
+              </a:bodyPr>
+              <a:lstStyle/>
+              <a:p>
+                <a:r>
+                  <a:rPr lang="en-US" b="1" dirty="0">
+                    <a:latin typeface="Arial" panose="020B0604020202020204" pitchFamily="34" charset="0"/>
+                    <a:cs typeface="Arial" panose="020B0604020202020204" pitchFamily="34" charset="0"/>
+                  </a:rPr>
+                  <a:t>3d embedding</a:t>
+                </a:r>
+              </a:p>
+            </p:txBody>
+          </p:sp>
+        </p:grpSp>
+        <p:sp>
+          <p:nvSpPr>
+            <p:cNvPr id="25" name="Freeform 24"/>
+            <p:cNvSpPr/>
+            <p:nvPr/>
+          </p:nvSpPr>
+          <p:spPr>
+            <a:xfrm>
+              <a:off x="2844474" y="1356004"/>
+              <a:ext cx="2266160" cy="1029956"/>
+            </a:xfrm>
+            <a:custGeom>
+              <a:avLst/>
+              <a:gdLst>
+                <a:gd name="connsiteX0" fmla="*/ 1331663 w 2266160"/>
+                <a:gd name="connsiteY0" fmla="*/ 0 h 1029956"/>
+                <a:gd name="connsiteX1" fmla="*/ 929729 w 2266160"/>
+                <a:gd name="connsiteY1" fmla="*/ 15073 h 1029956"/>
+                <a:gd name="connsiteX2" fmla="*/ 623254 w 2266160"/>
+                <a:gd name="connsiteY2" fmla="*/ 75363 h 1029956"/>
+                <a:gd name="connsiteX3" fmla="*/ 261513 w 2266160"/>
+                <a:gd name="connsiteY3" fmla="*/ 200967 h 1029956"/>
+                <a:gd name="connsiteX4" fmla="*/ 55522 w 2266160"/>
+                <a:gd name="connsiteY4" fmla="*/ 427055 h 1029956"/>
+                <a:gd name="connsiteX5" fmla="*/ 15329 w 2266160"/>
+                <a:gd name="connsiteY5" fmla="*/ 658167 h 1029956"/>
+                <a:gd name="connsiteX6" fmla="*/ 276586 w 2266160"/>
+                <a:gd name="connsiteY6" fmla="*/ 638070 h 1029956"/>
+                <a:gd name="connsiteX7" fmla="*/ 623254 w 2266160"/>
+                <a:gd name="connsiteY7" fmla="*/ 587829 h 1029956"/>
+                <a:gd name="connsiteX8" fmla="*/ 984995 w 2266160"/>
+                <a:gd name="connsiteY8" fmla="*/ 597877 h 1029956"/>
+                <a:gd name="connsiteX9" fmla="*/ 1271373 w 2266160"/>
+                <a:gd name="connsiteY9" fmla="*/ 663191 h 1029956"/>
+                <a:gd name="connsiteX10" fmla="*/ 1577847 w 2266160"/>
+                <a:gd name="connsiteY10" fmla="*/ 758651 h 1029956"/>
+                <a:gd name="connsiteX11" fmla="*/ 1849153 w 2266160"/>
+                <a:gd name="connsiteY11" fmla="*/ 844062 h 1029956"/>
+                <a:gd name="connsiteX12" fmla="*/ 2266160 w 2266160"/>
+                <a:gd name="connsiteY12" fmla="*/ 1029956 h 1029956"/>
+                <a:gd name="connsiteX13" fmla="*/ 2266160 w 2266160"/>
+                <a:gd name="connsiteY13" fmla="*/ 1029956 h 1029956"/>
+              </a:gdLst>
+              <a:ahLst/>
+              <a:cxnLst>
+                <a:cxn ang="0">
+                  <a:pos x="connsiteX0" y="connsiteY0"/>
+                </a:cxn>
+                <a:cxn ang="0">
+                  <a:pos x="connsiteX1" y="connsiteY1"/>
+                </a:cxn>
+                <a:cxn ang="0">
+                  <a:pos x="connsiteX2" y="connsiteY2"/>
+                </a:cxn>
+                <a:cxn ang="0">
+                  <a:pos x="connsiteX3" y="connsiteY3"/>
+                </a:cxn>
+                <a:cxn ang="0">
+                  <a:pos x="connsiteX4" y="connsiteY4"/>
+                </a:cxn>
+                <a:cxn ang="0">
+                  <a:pos x="connsiteX5" y="connsiteY5"/>
+                </a:cxn>
+                <a:cxn ang="0">
+                  <a:pos x="connsiteX6" y="connsiteY6"/>
+                </a:cxn>
+                <a:cxn ang="0">
+                  <a:pos x="connsiteX7" y="connsiteY7"/>
+                </a:cxn>
+                <a:cxn ang="0">
+                  <a:pos x="connsiteX8" y="connsiteY8"/>
+                </a:cxn>
+                <a:cxn ang="0">
+                  <a:pos x="connsiteX9" y="connsiteY9"/>
+                </a:cxn>
+                <a:cxn ang="0">
+                  <a:pos x="connsiteX10" y="connsiteY10"/>
+                </a:cxn>
+                <a:cxn ang="0">
+                  <a:pos x="connsiteX11" y="connsiteY11"/>
+                </a:cxn>
+                <a:cxn ang="0">
+                  <a:pos x="connsiteX12" y="connsiteY12"/>
+                </a:cxn>
+                <a:cxn ang="0">
+                  <a:pos x="connsiteX13" y="connsiteY13"/>
+                </a:cxn>
+              </a:cxnLst>
+              <a:rect l="l" t="t" r="r" b="b"/>
+              <a:pathLst>
+                <a:path w="2266160" h="1029956">
+                  <a:moveTo>
+                    <a:pt x="1331663" y="0"/>
+                  </a:moveTo>
+                  <a:cubicBezTo>
+                    <a:pt x="1189730" y="1256"/>
+                    <a:pt x="1047797" y="2513"/>
+                    <a:pt x="929729" y="15073"/>
+                  </a:cubicBezTo>
+                  <a:cubicBezTo>
+                    <a:pt x="811661" y="27634"/>
+                    <a:pt x="734623" y="44381"/>
+                    <a:pt x="623254" y="75363"/>
+                  </a:cubicBezTo>
+                  <a:cubicBezTo>
+                    <a:pt x="511885" y="106345"/>
+                    <a:pt x="356135" y="142352"/>
+                    <a:pt x="261513" y="200967"/>
+                  </a:cubicBezTo>
+                  <a:cubicBezTo>
+                    <a:pt x="166891" y="259582"/>
+                    <a:pt x="96553" y="350855"/>
+                    <a:pt x="55522" y="427055"/>
+                  </a:cubicBezTo>
+                  <a:cubicBezTo>
+                    <a:pt x="14491" y="503255"/>
+                    <a:pt x="-21515" y="622998"/>
+                    <a:pt x="15329" y="658167"/>
+                  </a:cubicBezTo>
+                  <a:cubicBezTo>
+                    <a:pt x="52173" y="693336"/>
+                    <a:pt x="175265" y="649793"/>
+                    <a:pt x="276586" y="638070"/>
+                  </a:cubicBezTo>
+                  <a:cubicBezTo>
+                    <a:pt x="377907" y="626347"/>
+                    <a:pt x="505186" y="594528"/>
+                    <a:pt x="623254" y="587829"/>
+                  </a:cubicBezTo>
+                  <a:cubicBezTo>
+                    <a:pt x="741322" y="581130"/>
+                    <a:pt x="876975" y="585317"/>
+                    <a:pt x="984995" y="597877"/>
+                  </a:cubicBezTo>
+                  <a:cubicBezTo>
+                    <a:pt x="1093015" y="610437"/>
+                    <a:pt x="1172564" y="636395"/>
+                    <a:pt x="1271373" y="663191"/>
+                  </a:cubicBezTo>
+                  <a:cubicBezTo>
+                    <a:pt x="1370182" y="689987"/>
+                    <a:pt x="1577847" y="758651"/>
+                    <a:pt x="1577847" y="758651"/>
+                  </a:cubicBezTo>
+                  <a:cubicBezTo>
+                    <a:pt x="1674144" y="788796"/>
+                    <a:pt x="1734434" y="798845"/>
+                    <a:pt x="1849153" y="844062"/>
+                  </a:cubicBezTo>
+                  <a:cubicBezTo>
+                    <a:pt x="1963872" y="889280"/>
+                    <a:pt x="2266160" y="1029956"/>
+                    <a:pt x="2266160" y="1029956"/>
+                  </a:cubicBezTo>
+                  <a:lnTo>
+                    <a:pt x="2266160" y="1029956"/>
+                  </a:lnTo>
+                </a:path>
+              </a:pathLst>
+            </a:custGeom>
+            <a:ln w="15875">
+              <a:solidFill>
+                <a:srgbClr val="FF0000"/>
+              </a:solidFill>
+              <a:prstDash val="solid"/>
+            </a:ln>
+          </p:spPr>
+          <p:style>
+            <a:lnRef idx="3">
+              <a:schemeClr val="accent2"/>
+            </a:lnRef>
+            <a:fillRef idx="0">
+              <a:schemeClr val="accent2"/>
+            </a:fillRef>
+            <a:effectRef idx="2">
+              <a:schemeClr val="accent2"/>
+            </a:effectRef>
+            <a:fontRef idx="minor">
+              <a:schemeClr val="tx1"/>
+            </a:fontRef>
+          </p:style>
+          <p:txBody>
+            <a:bodyPr rtlCol="0" anchor="ctr"/>
+            <a:lstStyle/>
+            <a:p>
+              <a:pPr algn="ctr"/>
+              <a:endParaRPr lang="en-US"/>
+            </a:p>
+          </p:txBody>
+        </p:sp>
+      </p:grpSp>
+      <p:sp>
+        <p:nvSpPr>
+          <p:cNvPr id="31" name="Round Diagonal Corner Rectangle 30"/>
+          <p:cNvSpPr/>
+          <p:nvPr/>
+        </p:nvSpPr>
+        <p:spPr>
+          <a:xfrm>
+            <a:off x="2162940" y="380149"/>
+            <a:ext cx="2076109" cy="557046"/>
+          </a:xfrm>
+          <a:prstGeom prst="round2DiagRect">
+            <a:avLst/>
+          </a:prstGeom>
+          <a:ln w="19050"/>
+        </p:spPr>
+        <p:style>
+          <a:lnRef idx="2">
+            <a:schemeClr val="dk1"/>
+          </a:lnRef>
+          <a:fillRef idx="1">
+            <a:schemeClr val="lt1"/>
+          </a:fillRef>
+          <a:effectRef idx="0">
+            <a:schemeClr val="dk1"/>
+          </a:effectRef>
+          <a:fontRef idx="minor">
+            <a:schemeClr val="dk1"/>
+          </a:fontRef>
+        </p:style>
+        <p:txBody>
+          <a:bodyPr rtlCol="0" anchor="ctr"/>
+          <a:lstStyle/>
+          <a:p>
+            <a:pPr algn="ctr"/>
+            <a:endParaRPr lang="en-US" dirty="0">
+              <a:latin typeface="Arial" panose="020B0604020202020204" pitchFamily="34" charset="0"/>
+              <a:cs typeface="Arial" panose="020B0604020202020204" pitchFamily="34" charset="0"/>
+            </a:endParaRPr>
+          </a:p>
+        </p:txBody>
+      </p:sp>
+      <p:sp>
+        <p:nvSpPr>
+          <p:cNvPr id="33" name="Down Arrow 32"/>
+          <p:cNvSpPr/>
+          <p:nvPr/>
+        </p:nvSpPr>
+        <p:spPr>
+          <a:xfrm>
+            <a:off x="3067474" y="956245"/>
+            <a:ext cx="266700" cy="918210"/>
+          </a:xfrm>
+          <a:prstGeom prst="downArrow">
+            <a:avLst/>
+          </a:prstGeom>
+          <a:solidFill>
+            <a:schemeClr val="bg1">
+              <a:lumMod val="65000"/>
+            </a:schemeClr>
+          </a:solidFill>
+          <a:ln>
+            <a:noFill/>
+          </a:ln>
+        </p:spPr>
+        <p:style>
+          <a:lnRef idx="2">
+            <a:schemeClr val="accent1">
+              <a:shade val="50000"/>
+            </a:schemeClr>
+          </a:lnRef>
+          <a:fillRef idx="1">
+            <a:schemeClr val="accent1"/>
+          </a:fillRef>
+          <a:effectRef idx="0">
+            <a:schemeClr val="accent1"/>
+          </a:effectRef>
+          <a:fontRef idx="minor">
+            <a:schemeClr val="lt1"/>
+          </a:fontRef>
+        </p:style>
+        <p:txBody>
+          <a:bodyPr rtlCol="0" anchor="ctr"/>
+          <a:lstStyle/>
+          <a:p>
+            <a:pPr algn="ctr"/>
+            <a:endParaRPr lang="en-US"/>
+          </a:p>
+        </p:txBody>
+      </p:sp>
+      <p:sp>
+        <p:nvSpPr>
+          <p:cNvPr id="34" name="Rectangle 33"/>
+          <p:cNvSpPr/>
+          <p:nvPr/>
+        </p:nvSpPr>
+        <p:spPr>
+          <a:xfrm>
+            <a:off x="1366872" y="1103442"/>
+            <a:ext cx="1776972" cy="646331"/>
+          </a:xfrm>
+          <a:prstGeom prst="rect">
+            <a:avLst/>
+          </a:prstGeom>
+        </p:spPr>
+        <p:txBody>
+          <a:bodyPr wrap="square">
+            <a:spAutoFit/>
+          </a:bodyPr>
+          <a:lstStyle/>
+          <a:p>
+            <a:pPr algn="ctr"/>
+            <a:r>
+              <a:rPr lang="en-US" dirty="0">
+                <a:latin typeface="Arial" panose="020B0604020202020204" pitchFamily="34" charset="0"/>
+                <a:cs typeface="Arial" panose="020B0604020202020204" pitchFamily="34" charset="0"/>
+              </a:rPr>
+              <a:t>dimensionality reduction</a:t>
+            </a:r>
+          </a:p>
+        </p:txBody>
+      </p:sp>
+      <p:sp>
+        <p:nvSpPr>
+          <p:cNvPr id="35" name="Rectangle 34"/>
+          <p:cNvSpPr/>
+          <p:nvPr/>
+        </p:nvSpPr>
+        <p:spPr>
+          <a:xfrm>
+            <a:off x="3228970" y="999820"/>
+            <a:ext cx="856942" cy="830997"/>
+          </a:xfrm>
+          <a:prstGeom prst="rect">
+            <a:avLst/>
+          </a:prstGeom>
+        </p:spPr>
+        <p:txBody>
+          <a:bodyPr wrap="square">
+            <a:spAutoFit/>
+          </a:bodyPr>
+          <a:lstStyle/>
+          <a:p>
+            <a:pPr algn="ctr"/>
+            <a:r>
+              <a:rPr lang="en-US" sz="1600" dirty="0" err="1">
+                <a:latin typeface="Courier New" panose="02070309020205020404" pitchFamily="49" charset="0"/>
+                <a:cs typeface="Courier New" panose="02070309020205020404" pitchFamily="49" charset="0"/>
+              </a:rPr>
+              <a:t>tSNE</a:t>
+            </a:r>
+            <a:br>
+              <a:rPr lang="en-US" sz="1600" dirty="0">
+                <a:latin typeface="Courier New" panose="02070309020205020404" pitchFamily="49" charset="0"/>
+                <a:cs typeface="Courier New" panose="02070309020205020404" pitchFamily="49" charset="0"/>
+              </a:rPr>
+            </a:br>
+            <a:r>
+              <a:rPr lang="en-US" sz="1600" dirty="0">
+                <a:latin typeface="Courier New" panose="02070309020205020404" pitchFamily="49" charset="0"/>
+                <a:cs typeface="Courier New" panose="02070309020205020404" pitchFamily="49" charset="0"/>
+              </a:rPr>
+              <a:t>UMAP</a:t>
+            </a:r>
+            <a:br>
+              <a:rPr lang="en-US" sz="1600" dirty="0">
+                <a:latin typeface="Courier New" panose="02070309020205020404" pitchFamily="49" charset="0"/>
+                <a:cs typeface="Courier New" panose="02070309020205020404" pitchFamily="49" charset="0"/>
+              </a:rPr>
+            </a:br>
+            <a:r>
+              <a:rPr lang="en-US" sz="1600" dirty="0">
+                <a:latin typeface="Courier New" panose="02070309020205020404" pitchFamily="49" charset="0"/>
+                <a:cs typeface="Courier New" panose="02070309020205020404" pitchFamily="49" charset="0"/>
+              </a:rPr>
+              <a:t>PHATE</a:t>
+            </a:r>
+          </a:p>
+        </p:txBody>
+      </p:sp>
+      <p:sp>
+        <p:nvSpPr>
+          <p:cNvPr id="38" name="Down Arrow 37"/>
+          <p:cNvSpPr/>
+          <p:nvPr/>
+        </p:nvSpPr>
+        <p:spPr>
+          <a:xfrm>
+            <a:off x="3077169" y="3861916"/>
+            <a:ext cx="266700" cy="918210"/>
+          </a:xfrm>
+          <a:prstGeom prst="downArrow">
+            <a:avLst/>
+          </a:prstGeom>
+          <a:solidFill>
+            <a:schemeClr val="bg1">
+              <a:lumMod val="65000"/>
+            </a:schemeClr>
+          </a:solidFill>
+          <a:ln>
+            <a:noFill/>
+          </a:ln>
+        </p:spPr>
+        <p:style>
+          <a:lnRef idx="2">
+            <a:schemeClr val="accent1">
+              <a:shade val="50000"/>
+            </a:schemeClr>
+          </a:lnRef>
+          <a:fillRef idx="1">
+            <a:schemeClr val="accent1"/>
+          </a:fillRef>
+          <a:effectRef idx="0">
+            <a:schemeClr val="accent1"/>
+          </a:effectRef>
+          <a:fontRef idx="minor">
+            <a:schemeClr val="lt1"/>
+          </a:fontRef>
+        </p:style>
+        <p:txBody>
+          <a:bodyPr rtlCol="0" anchor="ctr"/>
+          <a:lstStyle/>
+          <a:p>
+            <a:pPr algn="ctr"/>
+            <a:endParaRPr lang="en-US"/>
+          </a:p>
+        </p:txBody>
+      </p:sp>
+      <p:sp>
+        <p:nvSpPr>
+          <p:cNvPr id="39" name="Rectangle 38"/>
+          <p:cNvSpPr/>
+          <p:nvPr/>
+        </p:nvSpPr>
+        <p:spPr>
+          <a:xfrm>
+            <a:off x="1844762" y="3997387"/>
+            <a:ext cx="1285407" cy="646331"/>
+          </a:xfrm>
+          <a:prstGeom prst="rect">
+            <a:avLst/>
+          </a:prstGeom>
+        </p:spPr>
+        <p:txBody>
+          <a:bodyPr wrap="square">
+            <a:spAutoFit/>
+          </a:bodyPr>
+          <a:lstStyle/>
+          <a:p>
+            <a:pPr algn="ctr"/>
+            <a:r>
+              <a:rPr lang="en-US" dirty="0">
+                <a:latin typeface="Arial" panose="020B0604020202020204" pitchFamily="34" charset="0"/>
+                <a:cs typeface="Arial" panose="020B0604020202020204" pitchFamily="34" charset="0"/>
+              </a:rPr>
+              <a:t>trajectory  analysis</a:t>
+            </a:r>
+          </a:p>
+        </p:txBody>
+      </p:sp>
+      <p:sp>
+        <p:nvSpPr>
+          <p:cNvPr id="40" name="Rectangle 39"/>
+          <p:cNvSpPr/>
+          <p:nvPr/>
+        </p:nvSpPr>
+        <p:spPr>
+          <a:xfrm>
+            <a:off x="3294746" y="3914381"/>
+            <a:ext cx="1446782" cy="830997"/>
+          </a:xfrm>
+          <a:prstGeom prst="rect">
+            <a:avLst/>
+          </a:prstGeom>
+        </p:spPr>
+        <p:txBody>
+          <a:bodyPr wrap="square">
+            <a:spAutoFit/>
+          </a:bodyPr>
+          <a:lstStyle/>
+          <a:p>
+            <a:pPr algn="ctr"/>
+            <a:r>
+              <a:rPr lang="en-US" sz="1600" dirty="0">
+                <a:latin typeface="Courier New" panose="02070309020205020404" pitchFamily="49" charset="0"/>
+                <a:cs typeface="Courier New" panose="02070309020205020404" pitchFamily="49" charset="0"/>
+              </a:rPr>
+              <a:t>Wanderlust </a:t>
+            </a:r>
+          </a:p>
+          <a:p>
+            <a:pPr algn="ctr"/>
+            <a:r>
+              <a:rPr lang="en-US" sz="1600" dirty="0">
+                <a:latin typeface="Courier New" panose="02070309020205020404" pitchFamily="49" charset="0"/>
+                <a:cs typeface="Courier New" panose="02070309020205020404" pitchFamily="49" charset="0"/>
+              </a:rPr>
+              <a:t>Monocle</a:t>
+            </a:r>
+          </a:p>
+          <a:p>
+            <a:pPr algn="ctr"/>
+            <a:r>
+              <a:rPr lang="en-US" sz="1600" dirty="0" err="1">
+                <a:latin typeface="Courier New" panose="02070309020205020404" pitchFamily="49" charset="0"/>
+                <a:cs typeface="Courier New" panose="02070309020205020404" pitchFamily="49" charset="0"/>
+              </a:rPr>
+              <a:t>splinefit</a:t>
+            </a:r>
+            <a:endParaRPr lang="en-US" sz="1600" dirty="0">
+              <a:latin typeface="Courier New" panose="02070309020205020404" pitchFamily="49" charset="0"/>
+              <a:cs typeface="Courier New" panose="02070309020205020404" pitchFamily="49" charset="0"/>
+            </a:endParaRPr>
+          </a:p>
+        </p:txBody>
+      </p:sp>
+      <p:sp>
+        <p:nvSpPr>
+          <p:cNvPr id="41" name="Rectangle 40"/>
+          <p:cNvSpPr/>
+          <p:nvPr/>
+        </p:nvSpPr>
+        <p:spPr>
+          <a:xfrm>
+            <a:off x="4347221" y="0"/>
+            <a:ext cx="1285407" cy="646331"/>
+          </a:xfrm>
+          <a:prstGeom prst="rect">
+            <a:avLst/>
+          </a:prstGeom>
+        </p:spPr>
+        <p:txBody>
+          <a:bodyPr wrap="square">
+            <a:spAutoFit/>
+          </a:bodyPr>
+          <a:lstStyle/>
+          <a:p>
+            <a:pPr algn="ctr"/>
+            <a:r>
+              <a:rPr lang="en-US" dirty="0">
+                <a:latin typeface="Arial" panose="020B0604020202020204" pitchFamily="34" charset="0"/>
+                <a:cs typeface="Arial" panose="020B0604020202020204" pitchFamily="34" charset="0"/>
+              </a:rPr>
+              <a:t>network inference</a:t>
+            </a:r>
+          </a:p>
+        </p:txBody>
+      </p:sp>
+      <p:sp>
+        <p:nvSpPr>
+          <p:cNvPr id="42" name="Down Arrow 41"/>
+          <p:cNvSpPr/>
+          <p:nvPr/>
+        </p:nvSpPr>
+        <p:spPr>
+          <a:xfrm rot="16200000">
+            <a:off x="4964685" y="-165600"/>
+            <a:ext cx="266700" cy="1678956"/>
+          </a:xfrm>
+          <a:prstGeom prst="downArrow">
+            <a:avLst/>
+          </a:prstGeom>
+          <a:solidFill>
+            <a:schemeClr val="bg1">
+              <a:lumMod val="65000"/>
+            </a:schemeClr>
+          </a:solidFill>
+          <a:ln>
+            <a:noFill/>
+          </a:ln>
+        </p:spPr>
+        <p:style>
+          <a:lnRef idx="2">
+            <a:schemeClr val="accent1">
+              <a:shade val="50000"/>
+            </a:schemeClr>
+          </a:lnRef>
+          <a:fillRef idx="1">
+            <a:schemeClr val="accent1"/>
+          </a:fillRef>
+          <a:effectRef idx="0">
+            <a:schemeClr val="accent1"/>
+          </a:effectRef>
+          <a:fontRef idx="minor">
+            <a:schemeClr val="lt1"/>
+          </a:fontRef>
+        </p:style>
+        <p:txBody>
+          <a:bodyPr rtlCol="0" anchor="ctr"/>
+          <a:lstStyle/>
+          <a:p>
+            <a:pPr algn="ctr"/>
+            <a:endParaRPr lang="en-US"/>
+          </a:p>
+        </p:txBody>
+      </p:sp>
+      <p:sp>
+        <p:nvSpPr>
+          <p:cNvPr id="43" name="Rectangle 42"/>
+          <p:cNvSpPr/>
+          <p:nvPr/>
+        </p:nvSpPr>
+        <p:spPr>
+          <a:xfrm>
+            <a:off x="4242777" y="744930"/>
+            <a:ext cx="1463425" cy="584775"/>
+          </a:xfrm>
+          <a:prstGeom prst="rect">
+            <a:avLst/>
+          </a:prstGeom>
+        </p:spPr>
+        <p:txBody>
+          <a:bodyPr wrap="square">
+            <a:spAutoFit/>
+          </a:bodyPr>
+          <a:lstStyle/>
+          <a:p>
+            <a:pPr algn="ctr"/>
+            <a:r>
+              <a:rPr lang="en-US" sz="1600" dirty="0">
+                <a:latin typeface="Courier New" panose="02070309020205020404" pitchFamily="49" charset="0"/>
+                <a:cs typeface="Courier New" panose="02070309020205020404" pitchFamily="49" charset="0"/>
+              </a:rPr>
+              <a:t>GENIE3</a:t>
+            </a:r>
+          </a:p>
+          <a:p>
+            <a:pPr algn="ctr"/>
+            <a:r>
+              <a:rPr lang="en-US" sz="1600" dirty="0" err="1">
+                <a:latin typeface="Courier New" panose="02070309020205020404" pitchFamily="49" charset="0"/>
+                <a:cs typeface="Courier New" panose="02070309020205020404" pitchFamily="49" charset="0"/>
+              </a:rPr>
+              <a:t>dna</a:t>
+            </a:r>
+            <a:r>
+              <a:rPr lang="en-US" sz="1600" dirty="0">
+                <a:latin typeface="Courier New" panose="02070309020205020404" pitchFamily="49" charset="0"/>
+                <a:cs typeface="Courier New" panose="02070309020205020404" pitchFamily="49" charset="0"/>
+              </a:rPr>
+              <a:t>::</a:t>
+            </a:r>
+            <a:r>
+              <a:rPr lang="en-US" sz="1600" dirty="0" err="1">
+                <a:latin typeface="Courier New" panose="02070309020205020404" pitchFamily="49" charset="0"/>
+                <a:cs typeface="Courier New" panose="02070309020205020404" pitchFamily="49" charset="0"/>
+              </a:rPr>
+              <a:t>PCnet</a:t>
+            </a:r>
+            <a:endParaRPr lang="en-US" sz="1600" dirty="0">
+              <a:latin typeface="Courier New" panose="02070309020205020404" pitchFamily="49" charset="0"/>
+              <a:cs typeface="Courier New" panose="02070309020205020404" pitchFamily="49" charset="0"/>
+            </a:endParaRPr>
+          </a:p>
+        </p:txBody>
+      </p:sp>
+      <p:grpSp>
+        <p:nvGrpSpPr>
+          <p:cNvPr id="48" name="Group 47"/>
+          <p:cNvGrpSpPr/>
+          <p:nvPr/>
+        </p:nvGrpSpPr>
+        <p:grpSpPr>
+          <a:xfrm>
+            <a:off x="5851846" y="2263540"/>
+            <a:ext cx="3452922" cy="2534743"/>
+            <a:chOff x="875367" y="1675010"/>
+            <a:chExt cx="3452922" cy="1122367"/>
+          </a:xfrm>
+        </p:grpSpPr>
+        <p:sp>
+          <p:nvSpPr>
+            <p:cNvPr id="50" name="Rounded Rectangle 49"/>
+            <p:cNvSpPr/>
+            <p:nvPr/>
+          </p:nvSpPr>
+          <p:spPr>
+            <a:xfrm>
+              <a:off x="875367" y="1675010"/>
+              <a:ext cx="3452922" cy="1122367"/>
+            </a:xfrm>
+            <a:prstGeom prst="roundRect">
+              <a:avLst/>
+            </a:prstGeom>
+            <a:ln w="19050"/>
+          </p:spPr>
+          <p:style>
+            <a:lnRef idx="2">
+              <a:schemeClr val="dk1"/>
+            </a:lnRef>
+            <a:fillRef idx="1">
+              <a:schemeClr val="lt1"/>
+            </a:fillRef>
+            <a:effectRef idx="0">
+              <a:schemeClr val="dk1"/>
+            </a:effectRef>
+            <a:fontRef idx="minor">
+              <a:schemeClr val="dk1"/>
+            </a:fontRef>
+          </p:style>
+          <p:txBody>
+            <a:bodyPr rtlCol="0" anchor="ctr"/>
+            <a:lstStyle/>
+            <a:p>
+              <a:pPr algn="ctr"/>
+              <a:endParaRPr lang="en-US"/>
+            </a:p>
+          </p:txBody>
+        </p:sp>
+        <p:sp>
+          <p:nvSpPr>
+            <p:cNvPr id="53" name="TextBox 52"/>
+            <p:cNvSpPr txBox="1"/>
+            <p:nvPr/>
+          </p:nvSpPr>
+          <p:spPr>
+            <a:xfrm>
+              <a:off x="1085816" y="1677954"/>
+              <a:ext cx="2228442" cy="408844"/>
+            </a:xfrm>
+            <a:prstGeom prst="rect">
+              <a:avLst/>
+            </a:prstGeom>
+            <a:noFill/>
+          </p:spPr>
+          <p:txBody>
+            <a:bodyPr wrap="square" rtlCol="0">
+              <a:spAutoFit/>
+            </a:bodyPr>
+            <a:lstStyle/>
+            <a:p>
+              <a:r>
+                <a:rPr lang="en-US" b="1" dirty="0" err="1">
+                  <a:latin typeface="Arial" panose="020B0604020202020204" pitchFamily="34" charset="0"/>
+                  <a:cs typeface="Arial" panose="020B0604020202020204" pitchFamily="34" charset="0"/>
+                </a:rPr>
+                <a:t>pseudotime</a:t>
+              </a:r>
+              <a:r>
+                <a:rPr lang="en-US" b="1" dirty="0">
+                  <a:latin typeface="Arial" panose="020B0604020202020204" pitchFamily="34" charset="0"/>
+                  <a:cs typeface="Arial" panose="020B0604020202020204" pitchFamily="34" charset="0"/>
+                </a:rPr>
+                <a:t> series gene regulatory networks</a:t>
+              </a:r>
+            </a:p>
+          </p:txBody>
+        </p:sp>
+      </p:grpSp>
+      <p:sp>
+        <p:nvSpPr>
+          <p:cNvPr id="54" name="Down Arrow 53"/>
+          <p:cNvSpPr/>
+          <p:nvPr/>
+        </p:nvSpPr>
+        <p:spPr>
+          <a:xfrm>
+            <a:off x="7368040" y="1752468"/>
+            <a:ext cx="266700" cy="500250"/>
+          </a:xfrm>
+          <a:prstGeom prst="downArrow">
+            <a:avLst/>
+          </a:prstGeom>
+          <a:solidFill>
+            <a:schemeClr val="bg1">
+              <a:lumMod val="65000"/>
+            </a:schemeClr>
+          </a:solidFill>
+          <a:ln>
+            <a:noFill/>
+          </a:ln>
+        </p:spPr>
+        <p:style>
+          <a:lnRef idx="2">
+            <a:schemeClr val="accent1">
+              <a:shade val="50000"/>
+            </a:schemeClr>
+          </a:lnRef>
+          <a:fillRef idx="1">
+            <a:schemeClr val="accent1"/>
+          </a:fillRef>
+          <a:effectRef idx="0">
+            <a:schemeClr val="accent1"/>
+          </a:effectRef>
+          <a:fontRef idx="minor">
+            <a:schemeClr val="lt1"/>
+          </a:fontRef>
+        </p:style>
+        <p:txBody>
+          <a:bodyPr rtlCol="0" anchor="ctr"/>
+          <a:lstStyle/>
+          <a:p>
+            <a:pPr algn="ctr"/>
+            <a:endParaRPr lang="en-US"/>
+          </a:p>
+        </p:txBody>
+      </p:sp>
+      <p:sp>
+        <p:nvSpPr>
+          <p:cNvPr id="55" name="Down Arrow 54"/>
+          <p:cNvSpPr/>
+          <p:nvPr/>
+        </p:nvSpPr>
+        <p:spPr>
+          <a:xfrm rot="14472234">
+            <a:off x="5386497" y="4436312"/>
+            <a:ext cx="266700" cy="631570"/>
+          </a:xfrm>
+          <a:prstGeom prst="downArrow">
+            <a:avLst/>
+          </a:prstGeom>
+          <a:solidFill>
+            <a:schemeClr val="bg1">
+              <a:lumMod val="65000"/>
+            </a:schemeClr>
+          </a:solidFill>
+          <a:ln>
+            <a:noFill/>
+          </a:ln>
+        </p:spPr>
+        <p:style>
+          <a:lnRef idx="2">
+            <a:schemeClr val="accent1">
+              <a:shade val="50000"/>
+            </a:schemeClr>
+          </a:lnRef>
+          <a:fillRef idx="1">
+            <a:schemeClr val="accent1"/>
+          </a:fillRef>
+          <a:effectRef idx="0">
+            <a:schemeClr val="accent1"/>
+          </a:effectRef>
+          <a:fontRef idx="minor">
+            <a:schemeClr val="lt1"/>
+          </a:fontRef>
+        </p:style>
+        <p:txBody>
+          <a:bodyPr rtlCol="0" anchor="ctr"/>
+          <a:lstStyle/>
+          <a:p>
+            <a:pPr algn="ctr"/>
+            <a:endParaRPr lang="en-US"/>
+          </a:p>
+        </p:txBody>
+      </p:sp>
+      <p:pic>
+        <p:nvPicPr>
+          <p:cNvPr id="2" name="Picture 1"/>
+          <p:cNvPicPr>
+            <a:picLocks noChangeAspect="1"/>
+          </p:cNvPicPr>
+          <p:nvPr/>
+        </p:nvPicPr>
+        <p:blipFill>
+          <a:blip r:embed="rId6"/>
+          <a:stretch>
+            <a:fillRect/>
+          </a:stretch>
+        </p:blipFill>
+        <p:spPr>
+          <a:xfrm>
+            <a:off x="5687271" y="2740028"/>
+            <a:ext cx="3794368" cy="2017394"/>
+          </a:xfrm>
+          <a:prstGeom prst="rect">
+            <a:avLst/>
+          </a:prstGeom>
+        </p:spPr>
+      </p:pic>
+      <p:sp>
+        <p:nvSpPr>
+          <p:cNvPr id="30" name="TextBox 29"/>
+          <p:cNvSpPr txBox="1"/>
+          <p:nvPr/>
+        </p:nvSpPr>
+        <p:spPr>
+          <a:xfrm>
+            <a:off x="6040965" y="66467"/>
+            <a:ext cx="2864887" cy="369332"/>
+          </a:xfrm>
+          <a:prstGeom prst="rect">
+            <a:avLst/>
+          </a:prstGeom>
+          <a:noFill/>
+        </p:spPr>
+        <p:txBody>
+          <a:bodyPr wrap="none" rtlCol="0">
+            <a:spAutoFit/>
+          </a:bodyPr>
+          <a:lstStyle/>
+          <a:p>
+            <a:r>
+              <a:rPr lang="en-US" b="1" dirty="0">
+                <a:latin typeface="Arial" panose="020B0604020202020204" pitchFamily="34" charset="0"/>
+                <a:cs typeface="Arial" panose="020B0604020202020204" pitchFamily="34" charset="0"/>
+              </a:rPr>
+              <a:t>gene regulatory network</a:t>
+            </a:r>
+          </a:p>
+        </p:txBody>
+      </p:sp>
+      <p:pic>
+        <p:nvPicPr>
+          <p:cNvPr id="6" name="Picture 5"/>
+          <p:cNvPicPr>
+            <a:picLocks noChangeAspect="1"/>
+          </p:cNvPicPr>
+          <p:nvPr/>
+        </p:nvPicPr>
+        <p:blipFill rotWithShape="1">
+          <a:blip r:embed="rId7">
+            <a:clrChange>
+              <a:clrFrom>
+                <a:srgbClr val="FFFFFF"/>
+              </a:clrFrom>
+              <a:clrTo>
+                <a:srgbClr val="FFFFFF">
+                  <a:alpha val="0"/>
+                </a:srgbClr>
+              </a:clrTo>
+            </a:clrChange>
+          </a:blip>
+          <a:srcRect l="59000" t="8114" r="12461" b="60068"/>
+          <a:stretch/>
+        </p:blipFill>
+        <p:spPr>
+          <a:xfrm>
+            <a:off x="7496858" y="317334"/>
+            <a:ext cx="1554480" cy="1298679"/>
+          </a:xfrm>
+          <a:prstGeom prst="rect">
+            <a:avLst/>
+          </a:prstGeom>
+        </p:spPr>
+      </p:pic>
+      <p:sp>
+        <p:nvSpPr>
+          <p:cNvPr id="45" name="Rectangle 44"/>
+          <p:cNvSpPr/>
+          <p:nvPr/>
+        </p:nvSpPr>
+        <p:spPr>
+          <a:xfrm>
+            <a:off x="7209972" y="4331995"/>
+            <a:ext cx="2128252" cy="461665"/>
+          </a:xfrm>
+          <a:prstGeom prst="rect">
+            <a:avLst/>
+          </a:prstGeom>
+        </p:spPr>
+        <p:txBody>
+          <a:bodyPr wrap="square">
+            <a:spAutoFit/>
+          </a:bodyPr>
+          <a:lstStyle/>
+          <a:p>
+            <a:pPr algn="ctr"/>
+            <a:r>
+              <a:rPr lang="en-US" sz="1200" i="1" dirty="0" err="1">
+                <a:latin typeface="Arial" panose="020B0604020202020204" pitchFamily="34" charset="0"/>
+                <a:cs typeface="Arial" panose="020B0604020202020204" pitchFamily="34" charset="0"/>
+              </a:rPr>
+              <a:t>D→data</a:t>
+            </a:r>
+            <a:r>
+              <a:rPr lang="en-US" sz="1200" i="1" dirty="0">
+                <a:latin typeface="Arial" panose="020B0604020202020204" pitchFamily="34" charset="0"/>
+                <a:cs typeface="Arial" panose="020B0604020202020204" pitchFamily="34" charset="0"/>
+              </a:rPr>
+              <a:t>, M→ODE model, </a:t>
+            </a:r>
+            <a:r>
+              <a:rPr lang="el-GR" sz="1200" i="1" dirty="0">
+                <a:latin typeface="Arial" panose="020B0604020202020204" pitchFamily="34" charset="0"/>
+                <a:cs typeface="Arial" panose="020B0604020202020204" pitchFamily="34" charset="0"/>
+              </a:rPr>
+              <a:t>θ</a:t>
+            </a:r>
+            <a:r>
+              <a:rPr lang="en-US" sz="1200" i="1" dirty="0">
+                <a:latin typeface="Arial" panose="020B0604020202020204" pitchFamily="34" charset="0"/>
+                <a:cs typeface="Arial" panose="020B0604020202020204" pitchFamily="34" charset="0"/>
+              </a:rPr>
+              <a:t>→parameters</a:t>
+            </a:r>
+          </a:p>
+        </p:txBody>
+      </p:sp>
+      <p:sp>
+        <p:nvSpPr>
+          <p:cNvPr id="47" name="Down Arrow 46"/>
+          <p:cNvSpPr/>
+          <p:nvPr/>
+        </p:nvSpPr>
+        <p:spPr>
+          <a:xfrm>
+            <a:off x="7440596" y="4821748"/>
+            <a:ext cx="266700" cy="579926"/>
+          </a:xfrm>
+          <a:prstGeom prst="downArrow">
+            <a:avLst/>
+          </a:prstGeom>
+          <a:solidFill>
+            <a:schemeClr val="bg1">
+              <a:lumMod val="65000"/>
+            </a:schemeClr>
+          </a:solidFill>
+          <a:ln>
+            <a:noFill/>
+          </a:ln>
+        </p:spPr>
+        <p:style>
+          <a:lnRef idx="2">
+            <a:schemeClr val="accent1">
+              <a:shade val="50000"/>
+            </a:schemeClr>
+          </a:lnRef>
+          <a:fillRef idx="1">
+            <a:schemeClr val="accent1"/>
+          </a:fillRef>
+          <a:effectRef idx="0">
+            <a:schemeClr val="accent1"/>
+          </a:effectRef>
+          <a:fontRef idx="minor">
+            <a:schemeClr val="lt1"/>
+          </a:fontRef>
+        </p:style>
+        <p:txBody>
+          <a:bodyPr rtlCol="0" anchor="ctr"/>
+          <a:lstStyle/>
+          <a:p>
+            <a:pPr algn="ctr"/>
+            <a:endParaRPr lang="en-US"/>
+          </a:p>
+        </p:txBody>
+      </p:sp>
+      <p:sp>
+        <p:nvSpPr>
+          <p:cNvPr id="15" name="Rectangle 14"/>
+          <p:cNvSpPr/>
+          <p:nvPr/>
+        </p:nvSpPr>
+        <p:spPr>
+          <a:xfrm>
+            <a:off x="7323837" y="4769634"/>
+            <a:ext cx="2114893" cy="646331"/>
+          </a:xfrm>
+          <a:prstGeom prst="rect">
+            <a:avLst/>
+          </a:prstGeom>
+        </p:spPr>
+        <p:txBody>
+          <a:bodyPr wrap="square">
+            <a:spAutoFit/>
+          </a:bodyPr>
+          <a:lstStyle/>
+          <a:p>
+            <a:pPr algn="ctr"/>
+            <a:r>
+              <a:rPr lang="en-US" dirty="0">
+                <a:latin typeface="Arial" panose="020B0604020202020204" pitchFamily="34" charset="0"/>
+                <a:cs typeface="Arial" panose="020B0604020202020204" pitchFamily="34" charset="0"/>
+              </a:rPr>
+              <a:t>parameter optimization</a:t>
+            </a:r>
+          </a:p>
+        </p:txBody>
+      </p:sp>
+      <p:sp>
+        <p:nvSpPr>
+          <p:cNvPr id="44" name="Rounded Rectangle 43"/>
+          <p:cNvSpPr/>
+          <p:nvPr/>
+        </p:nvSpPr>
+        <p:spPr>
+          <a:xfrm>
+            <a:off x="5433053" y="5413886"/>
+            <a:ext cx="4367162" cy="1418102"/>
+          </a:xfrm>
+          <a:prstGeom prst="roundRect">
+            <a:avLst/>
+          </a:prstGeom>
+          <a:ln w="19050"/>
+        </p:spPr>
+        <p:style>
+          <a:lnRef idx="2">
+            <a:schemeClr val="dk1"/>
+          </a:lnRef>
+          <a:fillRef idx="1">
+            <a:schemeClr val="lt1"/>
+          </a:fillRef>
+          <a:effectRef idx="0">
+            <a:schemeClr val="dk1"/>
+          </a:effectRef>
+          <a:fontRef idx="minor">
+            <a:schemeClr val="dk1"/>
+          </a:fontRef>
+        </p:style>
+        <p:txBody>
+          <a:bodyPr rtlCol="0" anchor="ctr"/>
+          <a:lstStyle/>
+          <a:p>
+            <a:pPr algn="ctr"/>
+            <a:endParaRPr lang="en-US"/>
+          </a:p>
+        </p:txBody>
+      </p:sp>
+      <p:sp>
+        <p:nvSpPr>
+          <p:cNvPr id="16" name="Rectangle 15"/>
+          <p:cNvSpPr/>
+          <p:nvPr/>
+        </p:nvSpPr>
+        <p:spPr>
+          <a:xfrm>
+            <a:off x="6617139" y="5368489"/>
+            <a:ext cx="2069797" cy="369332"/>
+          </a:xfrm>
+          <a:prstGeom prst="rect">
+            <a:avLst/>
+          </a:prstGeom>
+        </p:spPr>
+        <p:txBody>
+          <a:bodyPr wrap="none">
+            <a:spAutoFit/>
+          </a:bodyPr>
+          <a:lstStyle/>
+          <a:p>
+            <a:r>
+              <a:rPr lang="en-US" b="1" dirty="0">
+                <a:latin typeface="Arial" panose="020B0604020202020204" pitchFamily="34" charset="0"/>
+                <a:cs typeface="Arial" panose="020B0604020202020204" pitchFamily="34" charset="0"/>
+              </a:rPr>
+              <a:t>dynamic network</a:t>
+            </a:r>
+            <a:endParaRPr lang="en-US" dirty="0"/>
+          </a:p>
+        </p:txBody>
+      </p:sp>
+      <p:pic>
+        <p:nvPicPr>
+          <p:cNvPr id="17" name="Picture 16"/>
+          <p:cNvPicPr>
+            <a:picLocks noChangeAspect="1"/>
+          </p:cNvPicPr>
+          <p:nvPr/>
+        </p:nvPicPr>
+        <p:blipFill>
+          <a:blip r:embed="rId8"/>
+          <a:stretch>
+            <a:fillRect/>
+          </a:stretch>
+        </p:blipFill>
+        <p:spPr>
+          <a:xfrm>
+            <a:off x="5572760" y="5846571"/>
+            <a:ext cx="1532141" cy="824310"/>
+          </a:xfrm>
+          <a:prstGeom prst="rect">
+            <a:avLst/>
+          </a:prstGeom>
+        </p:spPr>
+      </p:pic>
+      <p:sp>
+        <p:nvSpPr>
+          <p:cNvPr id="46" name="Rectangle 45"/>
+          <p:cNvSpPr/>
+          <p:nvPr/>
+        </p:nvSpPr>
+        <p:spPr>
+          <a:xfrm>
+            <a:off x="5286424" y="4854186"/>
+            <a:ext cx="2306823" cy="584775"/>
+          </a:xfrm>
+          <a:prstGeom prst="rect">
+            <a:avLst/>
+          </a:prstGeom>
+        </p:spPr>
+        <p:txBody>
+          <a:bodyPr wrap="square">
+            <a:spAutoFit/>
+          </a:bodyPr>
+          <a:lstStyle/>
+          <a:p>
+            <a:pPr algn="ctr"/>
+            <a:r>
+              <a:rPr lang="en-US" sz="1600" dirty="0" err="1">
+                <a:latin typeface="Courier New" panose="02070309020205020404" pitchFamily="49" charset="0"/>
+                <a:cs typeface="Courier New" panose="02070309020205020404" pitchFamily="49" charset="0"/>
+              </a:rPr>
+              <a:t>inferenceSnapshot</a:t>
+            </a:r>
+            <a:br>
+              <a:rPr lang="en-US" sz="1600" dirty="0">
+                <a:latin typeface="Courier New" panose="02070309020205020404" pitchFamily="49" charset="0"/>
+                <a:cs typeface="Courier New" panose="02070309020205020404" pitchFamily="49" charset="0"/>
+              </a:rPr>
+            </a:br>
+            <a:r>
+              <a:rPr lang="en-US" sz="1600" dirty="0">
+                <a:latin typeface="Courier New" panose="02070309020205020404" pitchFamily="49" charset="0"/>
+                <a:cs typeface="Courier New" panose="02070309020205020404" pitchFamily="49" charset="0"/>
+              </a:rPr>
+              <a:t>dynGENIE3, SCODE</a:t>
+            </a:r>
+          </a:p>
+        </p:txBody>
+      </p:sp>
+      <p:pic>
+        <p:nvPicPr>
+          <p:cNvPr id="20" name="Picture 19"/>
+          <p:cNvPicPr>
+            <a:picLocks noChangeAspect="1"/>
+          </p:cNvPicPr>
+          <p:nvPr/>
+        </p:nvPicPr>
+        <p:blipFill rotWithShape="1">
+          <a:blip r:embed="rId9"/>
+          <a:srcRect l="4078"/>
+          <a:stretch/>
+        </p:blipFill>
+        <p:spPr>
+          <a:xfrm>
+            <a:off x="8296063" y="5755048"/>
+            <a:ext cx="1468725" cy="920374"/>
+          </a:xfrm>
+          <a:prstGeom prst="rect">
+            <a:avLst/>
+          </a:prstGeom>
+        </p:spPr>
+      </p:pic>
+      <p:pic>
+        <p:nvPicPr>
+          <p:cNvPr id="28" name="Picture 27"/>
+          <p:cNvPicPr>
+            <a:picLocks noChangeAspect="1"/>
+          </p:cNvPicPr>
+          <p:nvPr/>
+        </p:nvPicPr>
+        <p:blipFill rotWithShape="1">
+          <a:blip r:embed="rId10"/>
+          <a:srcRect t="17223"/>
+          <a:stretch/>
+        </p:blipFill>
+        <p:spPr>
+          <a:xfrm>
+            <a:off x="7647485" y="4009842"/>
+            <a:ext cx="1512316" cy="327503"/>
+          </a:xfrm>
+          <a:prstGeom prst="rect">
+            <a:avLst/>
+          </a:prstGeom>
+        </p:spPr>
+      </p:pic>
+      <p:sp>
+        <p:nvSpPr>
+          <p:cNvPr id="29" name="Rectangle 28"/>
+          <p:cNvSpPr/>
+          <p:nvPr/>
+        </p:nvSpPr>
+        <p:spPr>
+          <a:xfrm>
+            <a:off x="5525048" y="5507665"/>
+            <a:ext cx="1074947" cy="320352"/>
+          </a:xfrm>
+          <a:prstGeom prst="rect">
+            <a:avLst/>
+          </a:prstGeom>
+          <a:ln>
+            <a:noFill/>
+          </a:ln>
+        </p:spPr>
+        <p:style>
+          <a:lnRef idx="2">
+            <a:schemeClr val="dk1"/>
+          </a:lnRef>
+          <a:fillRef idx="1">
+            <a:schemeClr val="lt1"/>
+          </a:fillRef>
+          <a:effectRef idx="0">
+            <a:schemeClr val="dk1"/>
+          </a:effectRef>
+          <a:fontRef idx="minor">
+            <a:schemeClr val="dk1"/>
+          </a:fontRef>
+        </p:style>
+        <p:txBody>
+          <a:bodyPr rtlCol="0" anchor="ctr"/>
+          <a:lstStyle/>
+          <a:p>
+            <a:pPr algn="r"/>
+            <a:r>
+              <a:rPr lang="en-US" sz="1200" dirty="0"/>
+              <a:t>activation</a:t>
+            </a:r>
+            <a:br>
+              <a:rPr lang="en-US" sz="1200" dirty="0"/>
+            </a:br>
+            <a:r>
+              <a:rPr lang="en-US" sz="1200" dirty="0"/>
+              <a:t>inhibition</a:t>
+            </a:r>
+          </a:p>
+        </p:txBody>
+      </p:sp>
+      <p:cxnSp>
+        <p:nvCxnSpPr>
+          <p:cNvPr id="37" name="Straight Arrow Connector 36"/>
+          <p:cNvCxnSpPr/>
+          <p:nvPr/>
+        </p:nvCxnSpPr>
+        <p:spPr>
+          <a:xfrm>
+            <a:off x="5546830" y="5614008"/>
+            <a:ext cx="274320" cy="0"/>
+          </a:xfrm>
+          <a:prstGeom prst="straightConnector1">
+            <a:avLst/>
+          </a:prstGeom>
+          <a:ln>
+            <a:solidFill>
+              <a:schemeClr val="tx1"/>
+            </a:solidFill>
+            <a:headEnd type="none"/>
+            <a:tailEnd type="stealth"/>
+          </a:ln>
+        </p:spPr>
+        <p:style>
+          <a:lnRef idx="1">
+            <a:schemeClr val="accent1"/>
+          </a:lnRef>
+          <a:fillRef idx="0">
+            <a:schemeClr val="accent1"/>
+          </a:fillRef>
+          <a:effectRef idx="0">
+            <a:schemeClr val="accent1"/>
+          </a:effectRef>
+          <a:fontRef idx="minor">
+            <a:schemeClr val="tx1"/>
+          </a:fontRef>
+        </p:style>
+      </p:cxnSp>
+      <p:cxnSp>
+        <p:nvCxnSpPr>
+          <p:cNvPr id="58" name="Straight Arrow Connector 57"/>
+          <p:cNvCxnSpPr/>
+          <p:nvPr/>
+        </p:nvCxnSpPr>
+        <p:spPr>
+          <a:xfrm>
+            <a:off x="5555613" y="5737344"/>
+            <a:ext cx="265537" cy="0"/>
+          </a:xfrm>
+          <a:prstGeom prst="straightConnector1">
+            <a:avLst/>
+          </a:prstGeom>
+          <a:ln>
+            <a:solidFill>
+              <a:schemeClr val="tx1"/>
+            </a:solidFill>
+            <a:headEnd type="none"/>
+            <a:tailEnd type="none"/>
+          </a:ln>
+        </p:spPr>
+        <p:style>
+          <a:lnRef idx="1">
+            <a:schemeClr val="accent1"/>
+          </a:lnRef>
+          <a:fillRef idx="0">
+            <a:schemeClr val="accent1"/>
+          </a:fillRef>
+          <a:effectRef idx="0">
+            <a:schemeClr val="accent1"/>
+          </a:effectRef>
+          <a:fontRef idx="minor">
+            <a:schemeClr val="tx1"/>
+          </a:fontRef>
+        </p:style>
+      </p:cxnSp>
+      <p:cxnSp>
+        <p:nvCxnSpPr>
+          <p:cNvPr id="59" name="Straight Arrow Connector 58"/>
+          <p:cNvCxnSpPr/>
+          <p:nvPr/>
+        </p:nvCxnSpPr>
+        <p:spPr>
+          <a:xfrm>
+            <a:off x="5825922" y="5687896"/>
+            <a:ext cx="0" cy="91440"/>
+          </a:xfrm>
+          <a:prstGeom prst="straightConnector1">
+            <a:avLst/>
+          </a:prstGeom>
+          <a:ln>
+            <a:solidFill>
+              <a:schemeClr val="tx1"/>
+            </a:solidFill>
+            <a:headEnd type="none"/>
+            <a:tailEnd type="none"/>
+          </a:ln>
+        </p:spPr>
+        <p:style>
+          <a:lnRef idx="1">
+            <a:schemeClr val="accent1"/>
+          </a:lnRef>
+          <a:fillRef idx="0">
+            <a:schemeClr val="accent1"/>
+          </a:fillRef>
+          <a:effectRef idx="0">
+            <a:schemeClr val="accent1"/>
+          </a:effectRef>
+          <a:fontRef idx="minor">
+            <a:schemeClr val="tx1"/>
+          </a:fontRef>
+        </p:style>
+      </p:cxnSp>
+      <p:pic>
+        <p:nvPicPr>
+          <p:cNvPr id="63" name="Picture 62"/>
+          <p:cNvPicPr>
+            <a:picLocks noChangeAspect="1"/>
+          </p:cNvPicPr>
+          <p:nvPr/>
+        </p:nvPicPr>
+        <p:blipFill>
+          <a:blip r:embed="rId11" cstate="hqprint">
+            <a:extLst>
+              <a:ext uri="{28A0092B-C50C-407E-A947-70E740481C1C}">
+                <a14:useLocalDpi xmlns:a14="http://schemas.microsoft.com/office/drawing/2010/main" val="0"/>
+              </a:ext>
+            </a:extLst>
+          </a:blip>
+          <a:stretch>
+            <a:fillRect/>
+          </a:stretch>
+        </p:blipFill>
+        <p:spPr>
+          <a:xfrm>
+            <a:off x="7483671" y="5719455"/>
+            <a:ext cx="618299" cy="927449"/>
+          </a:xfrm>
+          <a:prstGeom prst="rect">
+            <a:avLst/>
+          </a:prstGeom>
+        </p:spPr>
+      </p:pic>
+      <p:sp>
+        <p:nvSpPr>
+          <p:cNvPr id="14" name="TextBox 13"/>
+          <p:cNvSpPr txBox="1"/>
+          <p:nvPr/>
+        </p:nvSpPr>
+        <p:spPr>
+          <a:xfrm>
+            <a:off x="1229952" y="1940802"/>
+            <a:ext cx="340158" cy="400110"/>
+          </a:xfrm>
+          <a:prstGeom prst="rect">
+            <a:avLst/>
+          </a:prstGeom>
+          <a:noFill/>
+        </p:spPr>
+        <p:txBody>
+          <a:bodyPr wrap="none" rtlCol="0">
+            <a:spAutoFit/>
+          </a:bodyPr>
+          <a:lstStyle/>
+          <a:p>
+            <a:r>
+              <a:rPr lang="en-US" sz="2000" b="1" dirty="0"/>
+              <a:t>A</a:t>
+            </a:r>
+          </a:p>
+        </p:txBody>
+      </p:sp>
+      <p:sp>
+        <p:nvSpPr>
+          <p:cNvPr id="56" name="TextBox 55"/>
+          <p:cNvSpPr txBox="1"/>
+          <p:nvPr/>
+        </p:nvSpPr>
+        <p:spPr>
+          <a:xfrm>
+            <a:off x="1227407" y="6215235"/>
+            <a:ext cx="328936" cy="400110"/>
+          </a:xfrm>
+          <a:prstGeom prst="rect">
+            <a:avLst/>
+          </a:prstGeom>
+          <a:noFill/>
+        </p:spPr>
+        <p:txBody>
+          <a:bodyPr wrap="none" rtlCol="0">
+            <a:spAutoFit/>
+          </a:bodyPr>
+          <a:lstStyle/>
+          <a:p>
+            <a:r>
+              <a:rPr lang="en-US" sz="2000" b="1" dirty="0"/>
+              <a:t>B</a:t>
+            </a:r>
+          </a:p>
+        </p:txBody>
+      </p:sp>
+      <p:sp>
+        <p:nvSpPr>
+          <p:cNvPr id="57" name="TextBox 56"/>
+          <p:cNvSpPr txBox="1"/>
+          <p:nvPr/>
+        </p:nvSpPr>
+        <p:spPr>
+          <a:xfrm>
+            <a:off x="5980947" y="1274327"/>
+            <a:ext cx="320922" cy="400110"/>
+          </a:xfrm>
+          <a:prstGeom prst="rect">
+            <a:avLst/>
+          </a:prstGeom>
+          <a:noFill/>
+        </p:spPr>
+        <p:txBody>
+          <a:bodyPr wrap="none" rtlCol="0">
+            <a:spAutoFit/>
+          </a:bodyPr>
+          <a:lstStyle/>
+          <a:p>
+            <a:r>
+              <a:rPr lang="en-US" sz="2000" b="1" dirty="0"/>
+              <a:t>C</a:t>
+            </a:r>
+          </a:p>
+        </p:txBody>
+      </p:sp>
+      <p:sp>
+        <p:nvSpPr>
+          <p:cNvPr id="60" name="TextBox 59"/>
+          <p:cNvSpPr txBox="1"/>
+          <p:nvPr/>
+        </p:nvSpPr>
+        <p:spPr>
+          <a:xfrm>
+            <a:off x="8713870" y="2400945"/>
+            <a:ext cx="346570" cy="400110"/>
+          </a:xfrm>
+          <a:prstGeom prst="rect">
+            <a:avLst/>
+          </a:prstGeom>
+          <a:noFill/>
+        </p:spPr>
+        <p:txBody>
+          <a:bodyPr wrap="none" rtlCol="0">
+            <a:spAutoFit/>
+          </a:bodyPr>
+          <a:lstStyle/>
+          <a:p>
+            <a:r>
+              <a:rPr lang="en-US" sz="2000" b="1" dirty="0"/>
+              <a:t>D</a:t>
+            </a:r>
+          </a:p>
+        </p:txBody>
+      </p:sp>
+      <p:sp>
+        <p:nvSpPr>
+          <p:cNvPr id="61" name="TextBox 60"/>
+          <p:cNvSpPr txBox="1"/>
+          <p:nvPr/>
+        </p:nvSpPr>
+        <p:spPr>
+          <a:xfrm>
+            <a:off x="5491489" y="6380477"/>
+            <a:ext cx="309700" cy="400110"/>
+          </a:xfrm>
+          <a:prstGeom prst="rect">
+            <a:avLst/>
+          </a:prstGeom>
+          <a:noFill/>
+        </p:spPr>
+        <p:txBody>
+          <a:bodyPr wrap="none" rtlCol="0">
+            <a:spAutoFit/>
+          </a:bodyPr>
+          <a:lstStyle/>
+          <a:p>
+            <a:r>
+              <a:rPr lang="en-US" sz="2000" b="1" dirty="0"/>
+              <a:t>E</a:t>
+            </a:r>
+          </a:p>
+        </p:txBody>
+      </p:sp>
+      <p:sp>
+        <p:nvSpPr>
+          <p:cNvPr id="26" name="TextBox 25"/>
+          <p:cNvSpPr txBox="1"/>
+          <p:nvPr/>
+        </p:nvSpPr>
+        <p:spPr>
+          <a:xfrm>
+            <a:off x="7476370" y="6596390"/>
+            <a:ext cx="498855" cy="261610"/>
+          </a:xfrm>
+          <a:prstGeom prst="rect">
+            <a:avLst/>
+          </a:prstGeom>
+          <a:noFill/>
+        </p:spPr>
+        <p:txBody>
+          <a:bodyPr wrap="none" rtlCol="0">
+            <a:spAutoFit/>
+          </a:bodyPr>
+          <a:lstStyle/>
+          <a:p>
+            <a:r>
+              <a:rPr lang="en-US" sz="1050" i="1" dirty="0">
+                <a:latin typeface="Arial" panose="020B0604020202020204" pitchFamily="34" charset="0"/>
+                <a:cs typeface="Arial" panose="020B0604020202020204" pitchFamily="34" charset="0"/>
+              </a:rPr>
+              <a:t>Time</a:t>
+            </a:r>
+          </a:p>
+        </p:txBody>
+      </p:sp>
+      <p:sp>
+        <p:nvSpPr>
+          <p:cNvPr id="36" name="Rectangle 35"/>
+          <p:cNvSpPr/>
+          <p:nvPr/>
+        </p:nvSpPr>
+        <p:spPr>
+          <a:xfrm rot="16200000">
+            <a:off x="7056436" y="6073805"/>
+            <a:ext cx="567784" cy="253916"/>
+          </a:xfrm>
+          <a:prstGeom prst="rect">
+            <a:avLst/>
+          </a:prstGeom>
+        </p:spPr>
+        <p:txBody>
+          <a:bodyPr wrap="none">
+            <a:spAutoFit/>
+          </a:bodyPr>
+          <a:lstStyle/>
+          <a:p>
+            <a:r>
+              <a:rPr lang="en-US" sz="1050" i="1" dirty="0">
+                <a:latin typeface="Arial" panose="020B0604020202020204" pitchFamily="34" charset="0"/>
+                <a:cs typeface="Arial" panose="020B0604020202020204" pitchFamily="34" charset="0"/>
+              </a:rPr>
+              <a:t>Edges</a:t>
+            </a:r>
+            <a:endParaRPr lang="en-US" dirty="0"/>
+          </a:p>
+        </p:txBody>
+      </p:sp>
+      <p:sp>
+        <p:nvSpPr>
+          <p:cNvPr id="49" name="TextBox 48"/>
+          <p:cNvSpPr txBox="1"/>
+          <p:nvPr/>
+        </p:nvSpPr>
+        <p:spPr>
+          <a:xfrm>
+            <a:off x="2246285" y="458360"/>
+            <a:ext cx="1864613" cy="369332"/>
+          </a:xfrm>
+          <a:prstGeom prst="rect">
+            <a:avLst/>
+          </a:prstGeom>
+          <a:noFill/>
+        </p:spPr>
+        <p:txBody>
+          <a:bodyPr wrap="none" rtlCol="0">
+            <a:spAutoFit/>
+          </a:bodyPr>
+          <a:lstStyle/>
+          <a:p>
+            <a:r>
+              <a:rPr lang="en-US" dirty="0">
+                <a:latin typeface="Arial" panose="020B0604020202020204" pitchFamily="34" charset="0"/>
+                <a:cs typeface="Arial" panose="020B0604020202020204" pitchFamily="34" charset="0"/>
+              </a:rPr>
+              <a:t>scRNA-seq data</a:t>
+            </a:r>
+            <a:endParaRPr lang="en-US" dirty="0"/>
+          </a:p>
+        </p:txBody>
+      </p:sp>
     </p:spTree>
     <p:extLst>
       <p:ext uri="{BB962C8B-B14F-4D97-AF65-F5344CB8AC3E}">
@@ -9541,7 +11933,7 @@
 </p:sld>
 </file>
 
-<file path=ppt/slides/slide3.xml><?xml version="1.0" encoding="utf-8"?>
+<file path=ppt/slides/slide4.xml><?xml version="1.0" encoding="utf-8"?>
 <p:sld xmlns:a="http://schemas.openxmlformats.org/drawingml/2006/main" xmlns:r="http://schemas.openxmlformats.org/officeDocument/2006/relationships" xmlns:p="http://schemas.openxmlformats.org/presentationml/2006/main">
   <p:cSld>
     <p:spTree>
@@ -10984,7 +13376,7 @@
 </p:sld>
 </file>
 
-<file path=ppt/slides/slide4.xml><?xml version="1.0" encoding="utf-8"?>
+<file path=ppt/slides/slide5.xml><?xml version="1.0" encoding="utf-8"?>
 <p:sld xmlns:a="http://schemas.openxmlformats.org/drawingml/2006/main" xmlns:r="http://schemas.openxmlformats.org/officeDocument/2006/relationships" xmlns:p="http://schemas.openxmlformats.org/presentationml/2006/main">
   <p:cSld>
     <p:spTree>
@@ -11044,7 +13436,7 @@
 </p:sld>
 </file>
 
-<file path=ppt/slides/slide5.xml><?xml version="1.0" encoding="utf-8"?>
+<file path=ppt/slides/slide6.xml><?xml version="1.0" encoding="utf-8"?>
 <p:sld xmlns:a="http://schemas.openxmlformats.org/drawingml/2006/main" xmlns:r="http://schemas.openxmlformats.org/officeDocument/2006/relationships" xmlns:p="http://schemas.openxmlformats.org/presentationml/2006/main">
   <p:cSld>
     <p:spTree>
@@ -11104,7 +13496,7 @@
 </p:sld>
 </file>
 
-<file path=ppt/slides/slide6.xml><?xml version="1.0" encoding="utf-8"?>
+<file path=ppt/slides/slide7.xml><?xml version="1.0" encoding="utf-8"?>
 <p:sld xmlns:a="http://schemas.openxmlformats.org/drawingml/2006/main" xmlns:r="http://schemas.openxmlformats.org/officeDocument/2006/relationships" xmlns:p="http://schemas.openxmlformats.org/presentationml/2006/main">
   <p:cSld>
     <p:spTree>
@@ -11542,7 +13934,7 @@
 </p:sld>
 </file>
 
-<file path=ppt/slides/slide7.xml><?xml version="1.0" encoding="utf-8"?>
+<file path=ppt/slides/slide8.xml><?xml version="1.0" encoding="utf-8"?>
 <p:sld xmlns:a="http://schemas.openxmlformats.org/drawingml/2006/main" xmlns:r="http://schemas.openxmlformats.org/officeDocument/2006/relationships" xmlns:p="http://schemas.openxmlformats.org/presentationml/2006/main">
   <p:cSld>
     <p:spTree>
@@ -12080,7 +14472,7 @@
 </p:sld>
 </file>
 
-<file path=ppt/slides/slide8.xml><?xml version="1.0" encoding="utf-8"?>
+<file path=ppt/slides/slide9.xml><?xml version="1.0" encoding="utf-8"?>
 <p:sld xmlns:a="http://schemas.openxmlformats.org/drawingml/2006/main" xmlns:r="http://schemas.openxmlformats.org/officeDocument/2006/relationships" xmlns:p="http://schemas.openxmlformats.org/presentationml/2006/main">
   <p:cSld>
     <p:spTree>
@@ -12251,186 +14643,6 @@
     <p:extLst>
       <p:ext uri="{BB962C8B-B14F-4D97-AF65-F5344CB8AC3E}">
         <p14:creationId xmlns:p14="http://schemas.microsoft.com/office/powerpoint/2010/main" val="3055911381"/>
-      </p:ext>
-    </p:extLst>
-  </p:cSld>
-  <p:clrMapOvr>
-    <a:masterClrMapping/>
-  </p:clrMapOvr>
-</p:sld>
-</file>
-
-<file path=ppt/slides/slide9.xml><?xml version="1.0" encoding="utf-8"?>
-<p:sld xmlns:a="http://schemas.openxmlformats.org/drawingml/2006/main" xmlns:r="http://schemas.openxmlformats.org/officeDocument/2006/relationships" xmlns:p="http://schemas.openxmlformats.org/presentationml/2006/main">
-  <p:cSld>
-    <p:spTree>
-      <p:nvGrpSpPr>
-        <p:cNvPr id="1" name=""/>
-        <p:cNvGrpSpPr/>
-        <p:nvPr/>
-      </p:nvGrpSpPr>
-      <p:grpSpPr>
-        <a:xfrm>
-          <a:off x="0" y="0"/>
-          <a:ext cx="0" cy="0"/>
-          <a:chOff x="0" y="0"/>
-          <a:chExt cx="0" cy="0"/>
-        </a:xfrm>
-      </p:grpSpPr>
-      <p:pic>
-        <p:nvPicPr>
-          <p:cNvPr id="2" name="Picture 1">
-            <a:extLst>
-              <a:ext uri="{FF2B5EF4-FFF2-40B4-BE49-F238E27FC236}">
-                <a16:creationId xmlns:a16="http://schemas.microsoft.com/office/drawing/2014/main" id="{F436E3F6-F0B6-4B46-8C04-37A8435450A4}"/>
-              </a:ext>
-            </a:extLst>
-          </p:cNvPr>
-          <p:cNvPicPr>
-            <a:picLocks noChangeAspect="1"/>
-          </p:cNvPicPr>
-          <p:nvPr/>
-        </p:nvPicPr>
-        <p:blipFill>
-          <a:blip r:embed="rId2"/>
-          <a:stretch>
-            <a:fillRect/>
-          </a:stretch>
-        </p:blipFill>
-        <p:spPr>
-          <a:xfrm>
-            <a:off x="223096" y="593297"/>
-            <a:ext cx="7866535" cy="5856134"/>
-          </a:xfrm>
-          <a:prstGeom prst="rect">
-            <a:avLst/>
-          </a:prstGeom>
-        </p:spPr>
-      </p:pic>
-      <p:grpSp>
-        <p:nvGrpSpPr>
-          <p:cNvPr id="6" name="Group 5">
-            <a:extLst>
-              <a:ext uri="{FF2B5EF4-FFF2-40B4-BE49-F238E27FC236}">
-                <a16:creationId xmlns:a16="http://schemas.microsoft.com/office/drawing/2014/main" id="{64212F0D-BC73-42DE-B013-08C26DB2B64B}"/>
-              </a:ext>
-            </a:extLst>
-          </p:cNvPr>
-          <p:cNvGrpSpPr/>
-          <p:nvPr/>
-        </p:nvGrpSpPr>
-        <p:grpSpPr>
-          <a:xfrm>
-            <a:off x="7875425" y="2611443"/>
-            <a:ext cx="3850479" cy="2722850"/>
-            <a:chOff x="7875425" y="2611443"/>
-            <a:chExt cx="3850479" cy="2722850"/>
-          </a:xfrm>
-        </p:grpSpPr>
-        <p:pic>
-          <p:nvPicPr>
-            <p:cNvPr id="3" name="Picture 2">
-              <a:extLst>
-                <a:ext uri="{FF2B5EF4-FFF2-40B4-BE49-F238E27FC236}">
-                  <a16:creationId xmlns:a16="http://schemas.microsoft.com/office/drawing/2014/main" id="{145EA8DC-A772-442B-84C6-B4C7577C4325}"/>
-                </a:ext>
-              </a:extLst>
-            </p:cNvPr>
-            <p:cNvPicPr>
-              <a:picLocks noChangeAspect="1"/>
-            </p:cNvPicPr>
-            <p:nvPr/>
-          </p:nvPicPr>
-          <p:blipFill>
-            <a:blip r:embed="rId2"/>
-            <a:stretch>
-              <a:fillRect/>
-            </a:stretch>
-          </p:blipFill>
-          <p:spPr>
-            <a:xfrm>
-              <a:off x="7875425" y="2611443"/>
-              <a:ext cx="3657600" cy="2722850"/>
-            </a:xfrm>
-            <a:prstGeom prst="rect">
-              <a:avLst/>
-            </a:prstGeom>
-          </p:spPr>
-        </p:pic>
-        <p:pic>
-          <p:nvPicPr>
-            <p:cNvPr id="4" name="Picture 3">
-              <a:extLst>
-                <a:ext uri="{FF2B5EF4-FFF2-40B4-BE49-F238E27FC236}">
-                  <a16:creationId xmlns:a16="http://schemas.microsoft.com/office/drawing/2014/main" id="{EDEE9137-4378-411D-A75F-7EDAD4C591F9}"/>
-                </a:ext>
-              </a:extLst>
-            </p:cNvPr>
-            <p:cNvPicPr>
-              <a:picLocks noChangeAspect="1"/>
-            </p:cNvPicPr>
-            <p:nvPr/>
-          </p:nvPicPr>
-          <p:blipFill rotWithShape="1">
-            <a:blip r:embed="rId3"/>
-            <a:srcRect l="81159" t="1483" r="12145" b="53999"/>
-            <a:stretch/>
-          </p:blipFill>
-          <p:spPr>
-            <a:xfrm>
-              <a:off x="11340145" y="3205018"/>
-              <a:ext cx="385759" cy="1385454"/>
-            </a:xfrm>
-            <a:prstGeom prst="rect">
-              <a:avLst/>
-            </a:prstGeom>
-          </p:spPr>
-        </p:pic>
-        <p:sp>
-          <p:nvSpPr>
-            <p:cNvPr id="5" name="TextBox 4">
-              <a:extLst>
-                <a:ext uri="{FF2B5EF4-FFF2-40B4-BE49-F238E27FC236}">
-                  <a16:creationId xmlns:a16="http://schemas.microsoft.com/office/drawing/2014/main" id="{58D6416B-0B54-43BC-9E19-3B171B083783}"/>
-                </a:ext>
-              </a:extLst>
-            </p:cNvPr>
-            <p:cNvSpPr txBox="1"/>
-            <p:nvPr/>
-          </p:nvSpPr>
-          <p:spPr>
-            <a:xfrm>
-              <a:off x="9391982" y="2611443"/>
-              <a:ext cx="838691" cy="369332"/>
-            </a:xfrm>
-            <a:prstGeom prst="rect">
-              <a:avLst/>
-            </a:prstGeom>
-            <a:solidFill>
-              <a:schemeClr val="bg1"/>
-            </a:solidFill>
-          </p:spPr>
-          <p:txBody>
-            <a:bodyPr wrap="none" rtlCol="0">
-              <a:spAutoFit/>
-            </a:bodyPr>
-            <a:lstStyle/>
-            <a:p>
-              <a:r>
-                <a:rPr lang="en-US" b="1" dirty="0">
-                  <a:latin typeface="Arial" panose="020B0604020202020204" pitchFamily="34" charset="0"/>
-                  <a:cs typeface="Arial" panose="020B0604020202020204" pitchFamily="34" charset="0"/>
-                </a:rPr>
-                <a:t>NQO1</a:t>
-              </a:r>
-            </a:p>
-          </p:txBody>
-        </p:sp>
-      </p:grpSp>
-    </p:spTree>
-    <p:extLst>
-      <p:ext uri="{BB962C8B-B14F-4D97-AF65-F5344CB8AC3E}">
-        <p14:creationId xmlns:p14="http://schemas.microsoft.com/office/powerpoint/2010/main" val="3372808723"/>
       </p:ext>
     </p:extLst>
   </p:cSld>
